--- a/Virus de computador/Vírus de computador.pptx
+++ b/Virus de computador/Vírus de computador.pptx
@@ -5,13 +5,17 @@
     <p:sldMasterId id="2147483696" r:id="rId1"/>
   </p:sldMasterIdLst>
   <p:notesMasterIdLst>
-    <p:notesMasterId r:id="rId6"/>
+    <p:notesMasterId r:id="rId10"/>
   </p:notesMasterIdLst>
   <p:sldIdLst>
     <p:sldId id="257" r:id="rId2"/>
     <p:sldId id="262" r:id="rId3"/>
     <p:sldId id="263" r:id="rId4"/>
     <p:sldId id="264" r:id="rId5"/>
+    <p:sldId id="265" r:id="rId6"/>
+    <p:sldId id="266" r:id="rId7"/>
+    <p:sldId id="267" r:id="rId8"/>
+    <p:sldId id="268" r:id="rId9"/>
   </p:sldIdLst>
   <p:sldSz cx="9144000" cy="6858000" type="screen4x3"/>
   <p:notesSz cx="6858000" cy="9144000"/>
@@ -201,7 +205,8 @@
           <a:p>
             <a:fld id="{C6F142FC-0C5D-4B5A-AC4A-04E4AAC7500F}" type="datetimeFigureOut">
               <a:rPr lang="pt-BR" smtClean="0"/>
-              <a:t>17/06/2014</a:t>
+              <a:pPr/>
+              <a:t>21/06/2014</a:t>
             </a:fld>
             <a:endParaRPr lang="pt-BR"/>
           </a:p>
@@ -362,6 +367,7 @@
           <a:p>
             <a:fld id="{16752A5E-CE99-429D-8C36-FE61CC1335D6}" type="slidenum">
               <a:rPr lang="pt-BR" smtClean="0"/>
+              <a:pPr/>
               <a:t>‹nº›</a:t>
             </a:fld>
             <a:endParaRPr lang="pt-BR"/>
@@ -537,6 +543,7 @@
           <a:p>
             <a:fld id="{16752A5E-CE99-429D-8C36-FE61CC1335D6}" type="slidenum">
               <a:rPr lang="pt-BR" smtClean="0"/>
+              <a:pPr/>
               <a:t>3</a:t>
             </a:fld>
             <a:endParaRPr lang="pt-BR"/>
@@ -622,7 +629,336 @@
           <a:p>
             <a:fld id="{16752A5E-CE99-429D-8C36-FE61CC1335D6}" type="slidenum">
               <a:rPr lang="pt-BR" smtClean="0"/>
+              <a:pPr/>
               <a:t>4</a:t>
+            </a:fld>
+            <a:endParaRPr lang="pt-BR"/>
+          </a:p>
+        </p:txBody>
+      </p:sp>
+    </p:spTree>
+  </p:cSld>
+  <p:clrMapOvr>
+    <a:masterClrMapping/>
+  </p:clrMapOvr>
+</p:notes>
+</file>
+
+<file path=ppt/notesSlides/notesSlide3.xml><?xml version="1.0" encoding="utf-8"?>
+<p:notes xmlns:a="http://schemas.openxmlformats.org/drawingml/2006/main" xmlns:r="http://schemas.openxmlformats.org/officeDocument/2006/relationships" xmlns:p="http://schemas.openxmlformats.org/presentationml/2006/main">
+  <p:cSld>
+    <p:spTree>
+      <p:nvGrpSpPr>
+        <p:cNvPr id="1" name=""/>
+        <p:cNvGrpSpPr/>
+        <p:nvPr/>
+      </p:nvGrpSpPr>
+      <p:grpSpPr>
+        <a:xfrm>
+          <a:off x="0" y="0"/>
+          <a:ext cx="0" cy="0"/>
+          <a:chOff x="0" y="0"/>
+          <a:chExt cx="0" cy="0"/>
+        </a:xfrm>
+      </p:grpSpPr>
+      <p:sp>
+        <p:nvSpPr>
+          <p:cNvPr id="2" name="Espaço Reservado para Imagem de Slide 1"/>
+          <p:cNvSpPr>
+            <a:spLocks noGrp="1" noRot="1" noChangeAspect="1"/>
+          </p:cNvSpPr>
+          <p:nvPr>
+            <p:ph type="sldImg"/>
+          </p:nvPr>
+        </p:nvSpPr>
+        <p:spPr/>
+      </p:sp>
+      <p:sp>
+        <p:nvSpPr>
+          <p:cNvPr id="3" name="Espaço Reservado para Anotações 2"/>
+          <p:cNvSpPr>
+            <a:spLocks noGrp="1"/>
+          </p:cNvSpPr>
+          <p:nvPr>
+            <p:ph type="body" idx="1"/>
+          </p:nvPr>
+        </p:nvSpPr>
+        <p:spPr/>
+        <p:txBody>
+          <a:bodyPr>
+            <a:normAutofit/>
+          </a:bodyPr>
+          <a:lstStyle/>
+          <a:p>
+            <a:endParaRPr lang="pt-BR" dirty="0"/>
+          </a:p>
+        </p:txBody>
+      </p:sp>
+      <p:sp>
+        <p:nvSpPr>
+          <p:cNvPr id="4" name="Espaço Reservado para Número de Slide 3"/>
+          <p:cNvSpPr>
+            <a:spLocks noGrp="1"/>
+          </p:cNvSpPr>
+          <p:nvPr>
+            <p:ph type="sldNum" sz="quarter" idx="10"/>
+          </p:nvPr>
+        </p:nvSpPr>
+        <p:spPr/>
+        <p:txBody>
+          <a:bodyPr/>
+          <a:lstStyle/>
+          <a:p>
+            <a:fld id="{16752A5E-CE99-429D-8C36-FE61CC1335D6}" type="slidenum">
+              <a:rPr lang="pt-BR" smtClean="0"/>
+              <a:pPr/>
+              <a:t>5</a:t>
+            </a:fld>
+            <a:endParaRPr lang="pt-BR"/>
+          </a:p>
+        </p:txBody>
+      </p:sp>
+    </p:spTree>
+  </p:cSld>
+  <p:clrMapOvr>
+    <a:masterClrMapping/>
+  </p:clrMapOvr>
+</p:notes>
+</file>
+
+<file path=ppt/notesSlides/notesSlide4.xml><?xml version="1.0" encoding="utf-8"?>
+<p:notes xmlns:a="http://schemas.openxmlformats.org/drawingml/2006/main" xmlns:r="http://schemas.openxmlformats.org/officeDocument/2006/relationships" xmlns:p="http://schemas.openxmlformats.org/presentationml/2006/main">
+  <p:cSld>
+    <p:spTree>
+      <p:nvGrpSpPr>
+        <p:cNvPr id="1" name=""/>
+        <p:cNvGrpSpPr/>
+        <p:nvPr/>
+      </p:nvGrpSpPr>
+      <p:grpSpPr>
+        <a:xfrm>
+          <a:off x="0" y="0"/>
+          <a:ext cx="0" cy="0"/>
+          <a:chOff x="0" y="0"/>
+          <a:chExt cx="0" cy="0"/>
+        </a:xfrm>
+      </p:grpSpPr>
+      <p:sp>
+        <p:nvSpPr>
+          <p:cNvPr id="2" name="Espaço Reservado para Imagem de Slide 1"/>
+          <p:cNvSpPr>
+            <a:spLocks noGrp="1" noRot="1" noChangeAspect="1"/>
+          </p:cNvSpPr>
+          <p:nvPr>
+            <p:ph type="sldImg"/>
+          </p:nvPr>
+        </p:nvSpPr>
+        <p:spPr/>
+      </p:sp>
+      <p:sp>
+        <p:nvSpPr>
+          <p:cNvPr id="3" name="Espaço Reservado para Anotações 2"/>
+          <p:cNvSpPr>
+            <a:spLocks noGrp="1"/>
+          </p:cNvSpPr>
+          <p:nvPr>
+            <p:ph type="body" idx="1"/>
+          </p:nvPr>
+        </p:nvSpPr>
+        <p:spPr/>
+        <p:txBody>
+          <a:bodyPr>
+            <a:normAutofit/>
+          </a:bodyPr>
+          <a:lstStyle/>
+          <a:p>
+            <a:endParaRPr lang="pt-BR" dirty="0"/>
+          </a:p>
+        </p:txBody>
+      </p:sp>
+      <p:sp>
+        <p:nvSpPr>
+          <p:cNvPr id="4" name="Espaço Reservado para Número de Slide 3"/>
+          <p:cNvSpPr>
+            <a:spLocks noGrp="1"/>
+          </p:cNvSpPr>
+          <p:nvPr>
+            <p:ph type="sldNum" sz="quarter" idx="10"/>
+          </p:nvPr>
+        </p:nvSpPr>
+        <p:spPr/>
+        <p:txBody>
+          <a:bodyPr/>
+          <a:lstStyle/>
+          <a:p>
+            <a:fld id="{16752A5E-CE99-429D-8C36-FE61CC1335D6}" type="slidenum">
+              <a:rPr lang="pt-BR" smtClean="0"/>
+              <a:pPr/>
+              <a:t>6</a:t>
+            </a:fld>
+            <a:endParaRPr lang="pt-BR"/>
+          </a:p>
+        </p:txBody>
+      </p:sp>
+    </p:spTree>
+  </p:cSld>
+  <p:clrMapOvr>
+    <a:masterClrMapping/>
+  </p:clrMapOvr>
+</p:notes>
+</file>
+
+<file path=ppt/notesSlides/notesSlide5.xml><?xml version="1.0" encoding="utf-8"?>
+<p:notes xmlns:a="http://schemas.openxmlformats.org/drawingml/2006/main" xmlns:r="http://schemas.openxmlformats.org/officeDocument/2006/relationships" xmlns:p="http://schemas.openxmlformats.org/presentationml/2006/main">
+  <p:cSld>
+    <p:spTree>
+      <p:nvGrpSpPr>
+        <p:cNvPr id="1" name=""/>
+        <p:cNvGrpSpPr/>
+        <p:nvPr/>
+      </p:nvGrpSpPr>
+      <p:grpSpPr>
+        <a:xfrm>
+          <a:off x="0" y="0"/>
+          <a:ext cx="0" cy="0"/>
+          <a:chOff x="0" y="0"/>
+          <a:chExt cx="0" cy="0"/>
+        </a:xfrm>
+      </p:grpSpPr>
+      <p:sp>
+        <p:nvSpPr>
+          <p:cNvPr id="2" name="Espaço Reservado para Imagem de Slide 1"/>
+          <p:cNvSpPr>
+            <a:spLocks noGrp="1" noRot="1" noChangeAspect="1"/>
+          </p:cNvSpPr>
+          <p:nvPr>
+            <p:ph type="sldImg"/>
+          </p:nvPr>
+        </p:nvSpPr>
+        <p:spPr/>
+      </p:sp>
+      <p:sp>
+        <p:nvSpPr>
+          <p:cNvPr id="3" name="Espaço Reservado para Anotações 2"/>
+          <p:cNvSpPr>
+            <a:spLocks noGrp="1"/>
+          </p:cNvSpPr>
+          <p:nvPr>
+            <p:ph type="body" idx="1"/>
+          </p:nvPr>
+        </p:nvSpPr>
+        <p:spPr/>
+        <p:txBody>
+          <a:bodyPr>
+            <a:normAutofit/>
+          </a:bodyPr>
+          <a:lstStyle/>
+          <a:p>
+            <a:endParaRPr lang="pt-BR" dirty="0"/>
+          </a:p>
+        </p:txBody>
+      </p:sp>
+      <p:sp>
+        <p:nvSpPr>
+          <p:cNvPr id="4" name="Espaço Reservado para Número de Slide 3"/>
+          <p:cNvSpPr>
+            <a:spLocks noGrp="1"/>
+          </p:cNvSpPr>
+          <p:nvPr>
+            <p:ph type="sldNum" sz="quarter" idx="10"/>
+          </p:nvPr>
+        </p:nvSpPr>
+        <p:spPr/>
+        <p:txBody>
+          <a:bodyPr/>
+          <a:lstStyle/>
+          <a:p>
+            <a:fld id="{16752A5E-CE99-429D-8C36-FE61CC1335D6}" type="slidenum">
+              <a:rPr lang="pt-BR" smtClean="0"/>
+              <a:pPr/>
+              <a:t>7</a:t>
+            </a:fld>
+            <a:endParaRPr lang="pt-BR"/>
+          </a:p>
+        </p:txBody>
+      </p:sp>
+    </p:spTree>
+  </p:cSld>
+  <p:clrMapOvr>
+    <a:masterClrMapping/>
+  </p:clrMapOvr>
+</p:notes>
+</file>
+
+<file path=ppt/notesSlides/notesSlide6.xml><?xml version="1.0" encoding="utf-8"?>
+<p:notes xmlns:a="http://schemas.openxmlformats.org/drawingml/2006/main" xmlns:r="http://schemas.openxmlformats.org/officeDocument/2006/relationships" xmlns:p="http://schemas.openxmlformats.org/presentationml/2006/main">
+  <p:cSld>
+    <p:spTree>
+      <p:nvGrpSpPr>
+        <p:cNvPr id="1" name=""/>
+        <p:cNvGrpSpPr/>
+        <p:nvPr/>
+      </p:nvGrpSpPr>
+      <p:grpSpPr>
+        <a:xfrm>
+          <a:off x="0" y="0"/>
+          <a:ext cx="0" cy="0"/>
+          <a:chOff x="0" y="0"/>
+          <a:chExt cx="0" cy="0"/>
+        </a:xfrm>
+      </p:grpSpPr>
+      <p:sp>
+        <p:nvSpPr>
+          <p:cNvPr id="2" name="Espaço Reservado para Imagem de Slide 1"/>
+          <p:cNvSpPr>
+            <a:spLocks noGrp="1" noRot="1" noChangeAspect="1"/>
+          </p:cNvSpPr>
+          <p:nvPr>
+            <p:ph type="sldImg"/>
+          </p:nvPr>
+        </p:nvSpPr>
+        <p:spPr/>
+      </p:sp>
+      <p:sp>
+        <p:nvSpPr>
+          <p:cNvPr id="3" name="Espaço Reservado para Anotações 2"/>
+          <p:cNvSpPr>
+            <a:spLocks noGrp="1"/>
+          </p:cNvSpPr>
+          <p:nvPr>
+            <p:ph type="body" idx="1"/>
+          </p:nvPr>
+        </p:nvSpPr>
+        <p:spPr/>
+        <p:txBody>
+          <a:bodyPr>
+            <a:normAutofit/>
+          </a:bodyPr>
+          <a:lstStyle/>
+          <a:p>
+            <a:endParaRPr lang="pt-BR" dirty="0"/>
+          </a:p>
+        </p:txBody>
+      </p:sp>
+      <p:sp>
+        <p:nvSpPr>
+          <p:cNvPr id="4" name="Espaço Reservado para Número de Slide 3"/>
+          <p:cNvSpPr>
+            <a:spLocks noGrp="1"/>
+          </p:cNvSpPr>
+          <p:nvPr>
+            <p:ph type="sldNum" sz="quarter" idx="10"/>
+          </p:nvPr>
+        </p:nvSpPr>
+        <p:spPr/>
+        <p:txBody>
+          <a:bodyPr/>
+          <a:lstStyle/>
+          <a:p>
+            <a:fld id="{16752A5E-CE99-429D-8C36-FE61CC1335D6}" type="slidenum">
+              <a:rPr lang="pt-BR" smtClean="0"/>
+              <a:pPr/>
+              <a:t>8</a:t>
             </a:fld>
             <a:endParaRPr lang="pt-BR"/>
           </a:p>
@@ -817,7 +1153,8 @@
           <a:p>
             <a:fld id="{343F945E-BB56-47C3-99C4-B78B83CEDDA7}" type="datetimeFigureOut">
               <a:rPr lang="pt-BR" smtClean="0"/>
-              <a:t>17/06/2014</a:t>
+              <a:pPr/>
+              <a:t>21/06/2014</a:t>
             </a:fld>
             <a:endParaRPr lang="pt-BR"/>
           </a:p>
@@ -859,6 +1196,7 @@
           <a:p>
             <a:fld id="{F0F90397-770D-47CF-B934-8F7795EACCD7}" type="slidenum">
               <a:rPr lang="pt-BR" smtClean="0"/>
+              <a:pPr/>
               <a:t>‹nº›</a:t>
             </a:fld>
             <a:endParaRPr lang="pt-BR"/>
@@ -982,7 +1320,8 @@
           <a:p>
             <a:fld id="{343F945E-BB56-47C3-99C4-B78B83CEDDA7}" type="datetimeFigureOut">
               <a:rPr lang="pt-BR" smtClean="0"/>
-              <a:t>17/06/2014</a:t>
+              <a:pPr/>
+              <a:t>21/06/2014</a:t>
             </a:fld>
             <a:endParaRPr lang="pt-BR"/>
           </a:p>
@@ -1024,6 +1363,7 @@
           <a:p>
             <a:fld id="{F0F90397-770D-47CF-B934-8F7795EACCD7}" type="slidenum">
               <a:rPr lang="pt-BR" smtClean="0"/>
+              <a:pPr/>
               <a:t>‹nº›</a:t>
             </a:fld>
             <a:endParaRPr lang="pt-BR"/>
@@ -1157,7 +1497,8 @@
           <a:p>
             <a:fld id="{343F945E-BB56-47C3-99C4-B78B83CEDDA7}" type="datetimeFigureOut">
               <a:rPr lang="pt-BR" smtClean="0"/>
-              <a:t>17/06/2014</a:t>
+              <a:pPr/>
+              <a:t>21/06/2014</a:t>
             </a:fld>
             <a:endParaRPr lang="pt-BR"/>
           </a:p>
@@ -1199,6 +1540,7 @@
           <a:p>
             <a:fld id="{F0F90397-770D-47CF-B934-8F7795EACCD7}" type="slidenum">
               <a:rPr lang="pt-BR" smtClean="0"/>
+              <a:pPr/>
               <a:t>‹nº›</a:t>
             </a:fld>
             <a:endParaRPr lang="pt-BR"/>
@@ -1322,7 +1664,8 @@
           <a:p>
             <a:fld id="{343F945E-BB56-47C3-99C4-B78B83CEDDA7}" type="datetimeFigureOut">
               <a:rPr lang="pt-BR" smtClean="0"/>
-              <a:t>17/06/2014</a:t>
+              <a:pPr/>
+              <a:t>21/06/2014</a:t>
             </a:fld>
             <a:endParaRPr lang="pt-BR"/>
           </a:p>
@@ -1364,6 +1707,7 @@
           <a:p>
             <a:fld id="{F0F90397-770D-47CF-B934-8F7795EACCD7}" type="slidenum">
               <a:rPr lang="pt-BR" smtClean="0"/>
+              <a:pPr/>
               <a:t>‹nº›</a:t>
             </a:fld>
             <a:endParaRPr lang="pt-BR"/>
@@ -1563,7 +1907,8 @@
           <a:p>
             <a:fld id="{343F945E-BB56-47C3-99C4-B78B83CEDDA7}" type="datetimeFigureOut">
               <a:rPr lang="pt-BR" smtClean="0"/>
-              <a:t>17/06/2014</a:t>
+              <a:pPr/>
+              <a:t>21/06/2014</a:t>
             </a:fld>
             <a:endParaRPr lang="pt-BR"/>
           </a:p>
@@ -1605,6 +1950,7 @@
           <a:p>
             <a:fld id="{F0F90397-770D-47CF-B934-8F7795EACCD7}" type="slidenum">
               <a:rPr lang="pt-BR" smtClean="0"/>
+              <a:pPr/>
               <a:t>‹nº›</a:t>
             </a:fld>
             <a:endParaRPr lang="pt-BR"/>
@@ -1846,7 +2192,8 @@
           <a:p>
             <a:fld id="{343F945E-BB56-47C3-99C4-B78B83CEDDA7}" type="datetimeFigureOut">
               <a:rPr lang="pt-BR" smtClean="0"/>
-              <a:t>17/06/2014</a:t>
+              <a:pPr/>
+              <a:t>21/06/2014</a:t>
             </a:fld>
             <a:endParaRPr lang="pt-BR"/>
           </a:p>
@@ -1888,6 +2235,7 @@
           <a:p>
             <a:fld id="{F0F90397-770D-47CF-B934-8F7795EACCD7}" type="slidenum">
               <a:rPr lang="pt-BR" smtClean="0"/>
+              <a:pPr/>
               <a:t>‹nº›</a:t>
             </a:fld>
             <a:endParaRPr lang="pt-BR"/>
@@ -2263,7 +2611,8 @@
           <a:p>
             <a:fld id="{343F945E-BB56-47C3-99C4-B78B83CEDDA7}" type="datetimeFigureOut">
               <a:rPr lang="pt-BR" smtClean="0"/>
-              <a:t>17/06/2014</a:t>
+              <a:pPr/>
+              <a:t>21/06/2014</a:t>
             </a:fld>
             <a:endParaRPr lang="pt-BR"/>
           </a:p>
@@ -2305,6 +2654,7 @@
           <a:p>
             <a:fld id="{F0F90397-770D-47CF-B934-8F7795EACCD7}" type="slidenum">
               <a:rPr lang="pt-BR" smtClean="0"/>
+              <a:pPr/>
               <a:t>‹nº›</a:t>
             </a:fld>
             <a:endParaRPr lang="pt-BR"/>
@@ -2376,7 +2726,8 @@
           <a:p>
             <a:fld id="{343F945E-BB56-47C3-99C4-B78B83CEDDA7}" type="datetimeFigureOut">
               <a:rPr lang="pt-BR" smtClean="0"/>
-              <a:t>17/06/2014</a:t>
+              <a:pPr/>
+              <a:t>21/06/2014</a:t>
             </a:fld>
             <a:endParaRPr lang="pt-BR"/>
           </a:p>
@@ -2418,6 +2769,7 @@
           <a:p>
             <a:fld id="{F0F90397-770D-47CF-B934-8F7795EACCD7}" type="slidenum">
               <a:rPr lang="pt-BR" smtClean="0"/>
+              <a:pPr/>
               <a:t>‹nº›</a:t>
             </a:fld>
             <a:endParaRPr lang="pt-BR"/>
@@ -2466,7 +2818,8 @@
           <a:p>
             <a:fld id="{343F945E-BB56-47C3-99C4-B78B83CEDDA7}" type="datetimeFigureOut">
               <a:rPr lang="pt-BR" smtClean="0"/>
-              <a:t>17/06/2014</a:t>
+              <a:pPr/>
+              <a:t>21/06/2014</a:t>
             </a:fld>
             <a:endParaRPr lang="pt-BR"/>
           </a:p>
@@ -2508,6 +2861,7 @@
           <a:p>
             <a:fld id="{F0F90397-770D-47CF-B934-8F7795EACCD7}" type="slidenum">
               <a:rPr lang="pt-BR" smtClean="0"/>
+              <a:pPr/>
               <a:t>‹nº›</a:t>
             </a:fld>
             <a:endParaRPr lang="pt-BR"/>
@@ -2738,7 +3092,8 @@
           <a:p>
             <a:fld id="{343F945E-BB56-47C3-99C4-B78B83CEDDA7}" type="datetimeFigureOut">
               <a:rPr lang="pt-BR" smtClean="0"/>
-              <a:t>17/06/2014</a:t>
+              <a:pPr/>
+              <a:t>21/06/2014</a:t>
             </a:fld>
             <a:endParaRPr lang="pt-BR"/>
           </a:p>
@@ -2780,6 +3135,7 @@
           <a:p>
             <a:fld id="{F0F90397-770D-47CF-B934-8F7795EACCD7}" type="slidenum">
               <a:rPr lang="pt-BR" smtClean="0"/>
+              <a:pPr/>
               <a:t>‹nº›</a:t>
             </a:fld>
             <a:endParaRPr lang="pt-BR"/>
@@ -2986,7 +3342,8 @@
           <a:p>
             <a:fld id="{343F945E-BB56-47C3-99C4-B78B83CEDDA7}" type="datetimeFigureOut">
               <a:rPr lang="pt-BR" smtClean="0"/>
-              <a:t>17/06/2014</a:t>
+              <a:pPr/>
+              <a:t>21/06/2014</a:t>
             </a:fld>
             <a:endParaRPr lang="pt-BR"/>
           </a:p>
@@ -3028,6 +3385,7 @@
           <a:p>
             <a:fld id="{F0F90397-770D-47CF-B934-8F7795EACCD7}" type="slidenum">
               <a:rPr lang="pt-BR" smtClean="0"/>
+              <a:pPr/>
               <a:t>‹nº›</a:t>
             </a:fld>
             <a:endParaRPr lang="pt-BR"/>
@@ -3197,7 +3555,8 @@
           <a:p>
             <a:fld id="{343F945E-BB56-47C3-99C4-B78B83CEDDA7}" type="datetimeFigureOut">
               <a:rPr lang="pt-BR" smtClean="0"/>
-              <a:t>17/06/2014</a:t>
+              <a:pPr/>
+              <a:t>21/06/2014</a:t>
             </a:fld>
             <a:endParaRPr lang="pt-BR"/>
           </a:p>
@@ -3275,6 +3634,7 @@
           <a:p>
             <a:fld id="{F0F90397-770D-47CF-B934-8F7795EACCD7}" type="slidenum">
               <a:rPr lang="pt-BR" smtClean="0"/>
+              <a:pPr/>
               <a:t>‹nº›</a:t>
             </a:fld>
             <a:endParaRPr lang="pt-BR"/>
@@ -3584,7 +3944,7 @@
         <p:spPr>
           <a:xfrm>
             <a:off x="-214346" y="0"/>
-            <a:ext cx="9358346" cy="1168400"/>
+            <a:ext cx="9787006" cy="1168400"/>
           </a:xfrm>
           <a:prstGeom prst="rect">
             <a:avLst/>
@@ -3752,7 +4112,7 @@
         <p:spPr>
           <a:xfrm>
             <a:off x="357158" y="1428736"/>
-            <a:ext cx="8358246" cy="5355312"/>
+            <a:ext cx="8358246" cy="4616648"/>
           </a:xfrm>
           <a:prstGeom prst="rect">
             <a:avLst/>
@@ -3816,12 +4176,8 @@
               <a:buChar char="ü"/>
             </a:pPr>
             <a:r>
-              <a:rPr lang="pt-BR" sz="3200" dirty="0"/>
-              <a:t> </a:t>
-            </a:r>
-            <a:r>
               <a:rPr lang="pt-BR" sz="3200" dirty="0" smtClean="0"/>
-              <a:t> Quais são os principais tipos existentes?</a:t>
+              <a:t>  Como eles se espalham?</a:t>
             </a:r>
           </a:p>
           <a:p>
@@ -3838,24 +4194,7 @@
             </a:r>
             <a:r>
               <a:rPr lang="pt-BR" sz="3200" dirty="0" smtClean="0"/>
-              <a:t> Como eles se espalham?</a:t>
-            </a:r>
-          </a:p>
-          <a:p>
-            <a:pPr marL="742950" indent="-742950">
-              <a:lnSpc>
-                <a:spcPct val="150000"/>
-              </a:lnSpc>
-              <a:buFont typeface="Wingdings" pitchFamily="2" charset="2"/>
-              <a:buChar char="ü"/>
-            </a:pPr>
-            <a:r>
-              <a:rPr lang="pt-BR" sz="3200" dirty="0"/>
-              <a:t> </a:t>
-            </a:r>
-            <a:r>
-              <a:rPr lang="pt-BR" sz="3200" dirty="0" smtClean="0"/>
-              <a:t> Como se proteger dessas ameaças?</a:t>
+              <a:t> Porque isso é errado?</a:t>
             </a:r>
           </a:p>
           <a:p>
@@ -4208,6 +4547,746 @@
           <a:xfrm>
             <a:off x="0" y="3643314"/>
             <a:ext cx="3808194" cy="3000396"/>
+          </a:xfrm>
+          <a:prstGeom prst="rect">
+            <a:avLst/>
+          </a:prstGeom>
+        </p:spPr>
+      </p:pic>
+    </p:spTree>
+  </p:cSld>
+  <p:clrMapOvr>
+    <a:masterClrMapping/>
+  </p:clrMapOvr>
+  <p:timing>
+    <p:tnLst>
+      <p:par>
+        <p:cTn id="1" dur="indefinite" restart="never" nodeType="tmRoot"/>
+      </p:par>
+    </p:tnLst>
+  </p:timing>
+</p:sld>
+</file>
+
+<file path=ppt/slides/slide5.xml><?xml version="1.0" encoding="utf-8"?>
+<p:sld xmlns:a="http://schemas.openxmlformats.org/drawingml/2006/main" xmlns:r="http://schemas.openxmlformats.org/officeDocument/2006/relationships" xmlns:p="http://schemas.openxmlformats.org/presentationml/2006/main" showMasterSp="0">
+  <p:cSld>
+    <p:spTree>
+      <p:nvGrpSpPr>
+        <p:cNvPr id="1" name=""/>
+        <p:cNvGrpSpPr/>
+        <p:nvPr/>
+      </p:nvGrpSpPr>
+      <p:grpSpPr>
+        <a:xfrm>
+          <a:off x="0" y="0"/>
+          <a:ext cx="0" cy="0"/>
+          <a:chOff x="0" y="0"/>
+          <a:chExt cx="0" cy="0"/>
+        </a:xfrm>
+      </p:grpSpPr>
+      <p:pic>
+        <p:nvPicPr>
+          <p:cNvPr id="5" name="Imagem 4" descr="Sem Título-1.png"/>
+          <p:cNvPicPr>
+            <a:picLocks noChangeAspect="1"/>
+          </p:cNvPicPr>
+          <p:nvPr/>
+        </p:nvPicPr>
+        <p:blipFill>
+          <a:blip r:embed="rId3"/>
+          <a:stretch>
+            <a:fillRect/>
+          </a:stretch>
+        </p:blipFill>
+        <p:spPr>
+          <a:xfrm>
+            <a:off x="3905543" y="571480"/>
+            <a:ext cx="5238457" cy="6858000"/>
+          </a:xfrm>
+          <a:prstGeom prst="rect">
+            <a:avLst/>
+          </a:prstGeom>
+        </p:spPr>
+      </p:pic>
+      <p:pic>
+        <p:nvPicPr>
+          <p:cNvPr id="8" name="Imagem 7" descr="cabecalho.jpg"/>
+          <p:cNvPicPr>
+            <a:picLocks noChangeAspect="1"/>
+          </p:cNvPicPr>
+          <p:nvPr/>
+        </p:nvPicPr>
+        <p:blipFill>
+          <a:blip r:embed="rId4"/>
+          <a:stretch>
+            <a:fillRect/>
+          </a:stretch>
+        </p:blipFill>
+        <p:spPr>
+          <a:xfrm>
+            <a:off x="-214346" y="0"/>
+            <a:ext cx="9358346" cy="1168400"/>
+          </a:xfrm>
+          <a:prstGeom prst="rect">
+            <a:avLst/>
+          </a:prstGeom>
+        </p:spPr>
+      </p:pic>
+      <p:sp>
+        <p:nvSpPr>
+          <p:cNvPr id="4" name="Título 3"/>
+          <p:cNvSpPr>
+            <a:spLocks noGrp="1"/>
+          </p:cNvSpPr>
+          <p:nvPr>
+            <p:ph type="ctrTitle"/>
+          </p:nvPr>
+        </p:nvSpPr>
+        <p:spPr>
+          <a:xfrm>
+            <a:off x="714348" y="1"/>
+            <a:ext cx="7772400" cy="1214422"/>
+          </a:xfrm>
+        </p:spPr>
+        <p:txBody>
+          <a:bodyPr>
+            <a:normAutofit fontScale="90000"/>
+          </a:bodyPr>
+          <a:lstStyle/>
+          <a:p>
+            <a:r>
+              <a:rPr lang="pt-BR" dirty="0" smtClean="0">
+                <a:solidFill>
+                  <a:schemeClr val="bg1"/>
+                </a:solidFill>
+              </a:rPr>
+              <a:t>O que faz um Vírus de computador?</a:t>
+            </a:r>
+            <a:endParaRPr lang="pt-BR" dirty="0">
+              <a:solidFill>
+                <a:schemeClr val="bg1"/>
+              </a:solidFill>
+            </a:endParaRPr>
+          </a:p>
+        </p:txBody>
+      </p:sp>
+      <p:sp>
+        <p:nvSpPr>
+          <p:cNvPr id="6" name="CaixaDeTexto 5"/>
+          <p:cNvSpPr txBox="1"/>
+          <p:nvPr/>
+        </p:nvSpPr>
+        <p:spPr>
+          <a:xfrm>
+            <a:off x="571472" y="1928802"/>
+            <a:ext cx="3286148" cy="830997"/>
+          </a:xfrm>
+          <a:prstGeom prst="rect">
+            <a:avLst/>
+          </a:prstGeom>
+          <a:noFill/>
+        </p:spPr>
+        <p:txBody>
+          <a:bodyPr wrap="square" rtlCol="0">
+            <a:spAutoFit/>
+          </a:bodyPr>
+          <a:lstStyle/>
+          <a:p>
+            <a:r>
+              <a:rPr lang="pt-BR" sz="4800" dirty="0" smtClean="0"/>
+              <a:t>Depende!</a:t>
+            </a:r>
+            <a:endParaRPr lang="pt-BR" sz="4800" dirty="0"/>
+          </a:p>
+        </p:txBody>
+      </p:sp>
+    </p:spTree>
+  </p:cSld>
+  <p:clrMapOvr>
+    <a:masterClrMapping/>
+  </p:clrMapOvr>
+  <p:timing>
+    <p:tnLst>
+      <p:par>
+        <p:cTn id="1" dur="indefinite" restart="never" nodeType="tmRoot"/>
+      </p:par>
+    </p:tnLst>
+  </p:timing>
+</p:sld>
+</file>
+
+<file path=ppt/slides/slide6.xml><?xml version="1.0" encoding="utf-8"?>
+<p:sld xmlns:a="http://schemas.openxmlformats.org/drawingml/2006/main" xmlns:r="http://schemas.openxmlformats.org/officeDocument/2006/relationships" xmlns:p="http://schemas.openxmlformats.org/presentationml/2006/main" showMasterSp="0">
+  <p:cSld>
+    <p:spTree>
+      <p:nvGrpSpPr>
+        <p:cNvPr id="1" name=""/>
+        <p:cNvGrpSpPr/>
+        <p:nvPr/>
+      </p:nvGrpSpPr>
+      <p:grpSpPr>
+        <a:xfrm>
+          <a:off x="0" y="0"/>
+          <a:ext cx="0" cy="0"/>
+          <a:chOff x="0" y="0"/>
+          <a:chExt cx="0" cy="0"/>
+        </a:xfrm>
+      </p:grpSpPr>
+      <p:pic>
+        <p:nvPicPr>
+          <p:cNvPr id="8" name="Imagem 7" descr="cabecalho.jpg"/>
+          <p:cNvPicPr>
+            <a:picLocks noChangeAspect="1"/>
+          </p:cNvPicPr>
+          <p:nvPr/>
+        </p:nvPicPr>
+        <p:blipFill>
+          <a:blip r:embed="rId3"/>
+          <a:stretch>
+            <a:fillRect/>
+          </a:stretch>
+        </p:blipFill>
+        <p:spPr>
+          <a:xfrm>
+            <a:off x="-214346" y="0"/>
+            <a:ext cx="9358346" cy="1168400"/>
+          </a:xfrm>
+          <a:prstGeom prst="rect">
+            <a:avLst/>
+          </a:prstGeom>
+        </p:spPr>
+      </p:pic>
+      <p:sp>
+        <p:nvSpPr>
+          <p:cNvPr id="4" name="Título 3"/>
+          <p:cNvSpPr>
+            <a:spLocks noGrp="1"/>
+          </p:cNvSpPr>
+          <p:nvPr>
+            <p:ph type="ctrTitle"/>
+          </p:nvPr>
+        </p:nvSpPr>
+        <p:spPr>
+          <a:xfrm>
+            <a:off x="714348" y="1"/>
+            <a:ext cx="7772400" cy="1214422"/>
+          </a:xfrm>
+        </p:spPr>
+        <p:txBody>
+          <a:bodyPr>
+            <a:normAutofit/>
+          </a:bodyPr>
+          <a:lstStyle/>
+          <a:p>
+            <a:r>
+              <a:rPr lang="pt-BR" dirty="0" smtClean="0">
+                <a:solidFill>
+                  <a:schemeClr val="bg1"/>
+                </a:solidFill>
+              </a:rPr>
+              <a:t>Como eles se espalham?</a:t>
+            </a:r>
+            <a:endParaRPr lang="pt-BR" dirty="0">
+              <a:solidFill>
+                <a:schemeClr val="bg1"/>
+              </a:solidFill>
+            </a:endParaRPr>
+          </a:p>
+        </p:txBody>
+      </p:sp>
+      <p:sp>
+        <p:nvSpPr>
+          <p:cNvPr id="7" name="CaixaDeTexto 6"/>
+          <p:cNvSpPr txBox="1"/>
+          <p:nvPr/>
+        </p:nvSpPr>
+        <p:spPr>
+          <a:xfrm>
+            <a:off x="214282" y="1428736"/>
+            <a:ext cx="8501122" cy="1569660"/>
+          </a:xfrm>
+          <a:prstGeom prst="rect">
+            <a:avLst/>
+          </a:prstGeom>
+          <a:noFill/>
+        </p:spPr>
+        <p:txBody>
+          <a:bodyPr wrap="square" rtlCol="0">
+            <a:spAutoFit/>
+          </a:bodyPr>
+          <a:lstStyle/>
+          <a:p>
+            <a:pPr>
+              <a:buFont typeface="Wingdings" pitchFamily="2" charset="2"/>
+              <a:buChar char="ü"/>
+            </a:pPr>
+            <a:r>
+              <a:rPr lang="pt-BR" sz="3200" dirty="0" smtClean="0"/>
+              <a:t>   </a:t>
+            </a:r>
+            <a:r>
+              <a:rPr lang="pt-BR" sz="3200" dirty="0" smtClean="0"/>
+              <a:t>Sites infectados</a:t>
+            </a:r>
+          </a:p>
+          <a:p>
+            <a:pPr>
+              <a:buFont typeface="Wingdings" pitchFamily="2" charset="2"/>
+              <a:buChar char="ü"/>
+            </a:pPr>
+            <a:r>
+              <a:rPr lang="pt-BR" sz="3200" dirty="0" smtClean="0"/>
+              <a:t> </a:t>
+            </a:r>
+            <a:r>
+              <a:rPr lang="pt-BR" sz="3200" dirty="0" smtClean="0"/>
+              <a:t>  Arquivos em geral</a:t>
+            </a:r>
+          </a:p>
+          <a:p>
+            <a:endParaRPr lang="pt-BR" sz="3200" dirty="0"/>
+          </a:p>
+        </p:txBody>
+      </p:sp>
+      <p:pic>
+        <p:nvPicPr>
+          <p:cNvPr id="6" name="Imagem 5" descr="files.png"/>
+          <p:cNvPicPr>
+            <a:picLocks noChangeAspect="1"/>
+          </p:cNvPicPr>
+          <p:nvPr/>
+        </p:nvPicPr>
+        <p:blipFill>
+          <a:blip r:embed="rId4"/>
+          <a:stretch>
+            <a:fillRect/>
+          </a:stretch>
+        </p:blipFill>
+        <p:spPr>
+          <a:xfrm>
+            <a:off x="1714480" y="3214686"/>
+            <a:ext cx="5485715" cy="2590476"/>
+          </a:xfrm>
+          <a:prstGeom prst="rect">
+            <a:avLst/>
+          </a:prstGeom>
+        </p:spPr>
+      </p:pic>
+    </p:spTree>
+  </p:cSld>
+  <p:clrMapOvr>
+    <a:masterClrMapping/>
+  </p:clrMapOvr>
+  <p:timing>
+    <p:tnLst>
+      <p:par>
+        <p:cTn id="1" dur="indefinite" restart="never" nodeType="tmRoot"/>
+      </p:par>
+    </p:tnLst>
+  </p:timing>
+</p:sld>
+</file>
+
+<file path=ppt/slides/slide7.xml><?xml version="1.0" encoding="utf-8"?>
+<p:sld xmlns:a="http://schemas.openxmlformats.org/drawingml/2006/main" xmlns:r="http://schemas.openxmlformats.org/officeDocument/2006/relationships" xmlns:p="http://schemas.openxmlformats.org/presentationml/2006/main" showMasterSp="0">
+  <p:cSld>
+    <p:spTree>
+      <p:nvGrpSpPr>
+        <p:cNvPr id="1" name=""/>
+        <p:cNvGrpSpPr/>
+        <p:nvPr/>
+      </p:nvGrpSpPr>
+      <p:grpSpPr>
+        <a:xfrm>
+          <a:off x="0" y="0"/>
+          <a:ext cx="0" cy="0"/>
+          <a:chOff x="0" y="0"/>
+          <a:chExt cx="0" cy="0"/>
+        </a:xfrm>
+      </p:grpSpPr>
+      <p:pic>
+        <p:nvPicPr>
+          <p:cNvPr id="8" name="Imagem 7" descr="cabecalho.jpg"/>
+          <p:cNvPicPr>
+            <a:picLocks noChangeAspect="1"/>
+          </p:cNvPicPr>
+          <p:nvPr/>
+        </p:nvPicPr>
+        <p:blipFill>
+          <a:blip r:embed="rId3"/>
+          <a:stretch>
+            <a:fillRect/>
+          </a:stretch>
+        </p:blipFill>
+        <p:spPr>
+          <a:xfrm>
+            <a:off x="-214346" y="0"/>
+            <a:ext cx="9358346" cy="1168400"/>
+          </a:xfrm>
+          <a:prstGeom prst="rect">
+            <a:avLst/>
+          </a:prstGeom>
+        </p:spPr>
+      </p:pic>
+      <p:sp>
+        <p:nvSpPr>
+          <p:cNvPr id="4" name="Título 3"/>
+          <p:cNvSpPr>
+            <a:spLocks noGrp="1"/>
+          </p:cNvSpPr>
+          <p:nvPr>
+            <p:ph type="ctrTitle"/>
+          </p:nvPr>
+        </p:nvSpPr>
+        <p:spPr>
+          <a:xfrm>
+            <a:off x="714348" y="1"/>
+            <a:ext cx="7772400" cy="1214422"/>
+          </a:xfrm>
+        </p:spPr>
+        <p:txBody>
+          <a:bodyPr>
+            <a:normAutofit/>
+          </a:bodyPr>
+          <a:lstStyle/>
+          <a:p>
+            <a:r>
+              <a:rPr lang="pt-BR" dirty="0" smtClean="0">
+                <a:solidFill>
+                  <a:schemeClr val="bg1"/>
+                </a:solidFill>
+              </a:rPr>
+              <a:t>Como eles se espalham?</a:t>
+            </a:r>
+            <a:endParaRPr lang="pt-BR" dirty="0">
+              <a:solidFill>
+                <a:schemeClr val="bg1"/>
+              </a:solidFill>
+            </a:endParaRPr>
+          </a:p>
+        </p:txBody>
+      </p:sp>
+      <p:sp>
+        <p:nvSpPr>
+          <p:cNvPr id="7" name="CaixaDeTexto 6"/>
+          <p:cNvSpPr txBox="1"/>
+          <p:nvPr/>
+        </p:nvSpPr>
+        <p:spPr>
+          <a:xfrm>
+            <a:off x="214282" y="1428736"/>
+            <a:ext cx="8501122" cy="2062103"/>
+          </a:xfrm>
+          <a:prstGeom prst="rect">
+            <a:avLst/>
+          </a:prstGeom>
+          <a:noFill/>
+        </p:spPr>
+        <p:txBody>
+          <a:bodyPr wrap="square" rtlCol="0">
+            <a:spAutoFit/>
+          </a:bodyPr>
+          <a:lstStyle/>
+          <a:p>
+            <a:pPr>
+              <a:buFont typeface="Wingdings" pitchFamily="2" charset="2"/>
+              <a:buChar char="ü"/>
+            </a:pPr>
+            <a:r>
+              <a:rPr lang="pt-BR" sz="3200" dirty="0" smtClean="0"/>
+              <a:t>   </a:t>
+            </a:r>
+            <a:r>
+              <a:rPr lang="pt-BR" sz="3200" dirty="0" smtClean="0"/>
+              <a:t>Pendrive</a:t>
+            </a:r>
+          </a:p>
+          <a:p>
+            <a:pPr>
+              <a:buFont typeface="Wingdings" pitchFamily="2" charset="2"/>
+              <a:buChar char="ü"/>
+            </a:pPr>
+            <a:r>
+              <a:rPr lang="pt-BR" sz="3200" dirty="0" smtClean="0"/>
+              <a:t> </a:t>
+            </a:r>
+            <a:r>
+              <a:rPr lang="pt-BR" sz="3200" dirty="0" smtClean="0"/>
+              <a:t>  CD/DVD</a:t>
+            </a:r>
+          </a:p>
+          <a:p>
+            <a:pPr>
+              <a:buFont typeface="Wingdings" pitchFamily="2" charset="2"/>
+              <a:buChar char="ü"/>
+            </a:pPr>
+            <a:r>
+              <a:rPr lang="pt-BR" sz="3200" dirty="0" smtClean="0"/>
+              <a:t> </a:t>
+            </a:r>
+            <a:r>
+              <a:rPr lang="pt-BR" sz="3200" dirty="0" smtClean="0"/>
+              <a:t>  Qualquer dispositivo de armazenamento</a:t>
+            </a:r>
+          </a:p>
+          <a:p>
+            <a:endParaRPr lang="pt-BR" sz="3200" dirty="0"/>
+          </a:p>
+        </p:txBody>
+      </p:sp>
+      <p:pic>
+        <p:nvPicPr>
+          <p:cNvPr id="5" name="Imagem 4" descr="dvd.png"/>
+          <p:cNvPicPr>
+            <a:picLocks noChangeAspect="1"/>
+          </p:cNvPicPr>
+          <p:nvPr/>
+        </p:nvPicPr>
+        <p:blipFill>
+          <a:blip r:embed="rId4"/>
+          <a:stretch>
+            <a:fillRect/>
+          </a:stretch>
+        </p:blipFill>
+        <p:spPr>
+          <a:xfrm>
+            <a:off x="5644426" y="4143379"/>
+            <a:ext cx="2902177" cy="1933239"/>
+          </a:xfrm>
+          <a:prstGeom prst="rect">
+            <a:avLst/>
+          </a:prstGeom>
+        </p:spPr>
+      </p:pic>
+      <p:pic>
+        <p:nvPicPr>
+          <p:cNvPr id="6" name="Imagem 5" descr="hdd.png"/>
+          <p:cNvPicPr>
+            <a:picLocks noChangeAspect="1"/>
+          </p:cNvPicPr>
+          <p:nvPr/>
+        </p:nvPicPr>
+        <p:blipFill>
+          <a:blip r:embed="rId5"/>
+          <a:stretch>
+            <a:fillRect/>
+          </a:stretch>
+        </p:blipFill>
+        <p:spPr>
+          <a:xfrm>
+            <a:off x="2857488" y="4000504"/>
+            <a:ext cx="2397704" cy="2397704"/>
+          </a:xfrm>
+          <a:prstGeom prst="rect">
+            <a:avLst/>
+          </a:prstGeom>
+        </p:spPr>
+      </p:pic>
+      <p:pic>
+        <p:nvPicPr>
+          <p:cNvPr id="9" name="Imagem 8" descr="pendrive.png"/>
+          <p:cNvPicPr>
+            <a:picLocks noChangeAspect="1"/>
+          </p:cNvPicPr>
+          <p:nvPr/>
+        </p:nvPicPr>
+        <p:blipFill>
+          <a:blip r:embed="rId6"/>
+          <a:stretch>
+            <a:fillRect/>
+          </a:stretch>
+        </p:blipFill>
+        <p:spPr>
+          <a:xfrm rot="15944752">
+            <a:off x="493770" y="4422868"/>
+            <a:ext cx="1824950" cy="1824950"/>
+          </a:xfrm>
+          <a:prstGeom prst="rect">
+            <a:avLst/>
+          </a:prstGeom>
+        </p:spPr>
+      </p:pic>
+    </p:spTree>
+  </p:cSld>
+  <p:clrMapOvr>
+    <a:masterClrMapping/>
+  </p:clrMapOvr>
+  <p:timing>
+    <p:tnLst>
+      <p:par>
+        <p:cTn id="1" dur="indefinite" restart="never" nodeType="tmRoot"/>
+      </p:par>
+    </p:tnLst>
+  </p:timing>
+</p:sld>
+</file>
+
+<file path=ppt/slides/slide8.xml><?xml version="1.0" encoding="utf-8"?>
+<p:sld xmlns:a="http://schemas.openxmlformats.org/drawingml/2006/main" xmlns:r="http://schemas.openxmlformats.org/officeDocument/2006/relationships" xmlns:p="http://schemas.openxmlformats.org/presentationml/2006/main" showMasterSp="0">
+  <p:cSld>
+    <p:spTree>
+      <p:nvGrpSpPr>
+        <p:cNvPr id="1" name=""/>
+        <p:cNvGrpSpPr/>
+        <p:nvPr/>
+      </p:nvGrpSpPr>
+      <p:grpSpPr>
+        <a:xfrm>
+          <a:off x="0" y="0"/>
+          <a:ext cx="0" cy="0"/>
+          <a:chOff x="0" y="0"/>
+          <a:chExt cx="0" cy="0"/>
+        </a:xfrm>
+      </p:grpSpPr>
+      <p:pic>
+        <p:nvPicPr>
+          <p:cNvPr id="8" name="Imagem 7" descr="cabecalho.jpg"/>
+          <p:cNvPicPr>
+            <a:picLocks noChangeAspect="1"/>
+          </p:cNvPicPr>
+          <p:nvPr/>
+        </p:nvPicPr>
+        <p:blipFill>
+          <a:blip r:embed="rId3"/>
+          <a:stretch>
+            <a:fillRect/>
+          </a:stretch>
+        </p:blipFill>
+        <p:spPr>
+          <a:xfrm>
+            <a:off x="-214346" y="0"/>
+            <a:ext cx="9358346" cy="1168400"/>
+          </a:xfrm>
+          <a:prstGeom prst="rect">
+            <a:avLst/>
+          </a:prstGeom>
+        </p:spPr>
+      </p:pic>
+      <p:sp>
+        <p:nvSpPr>
+          <p:cNvPr id="4" name="Título 3"/>
+          <p:cNvSpPr>
+            <a:spLocks noGrp="1"/>
+          </p:cNvSpPr>
+          <p:nvPr>
+            <p:ph type="ctrTitle"/>
+          </p:nvPr>
+        </p:nvSpPr>
+        <p:spPr>
+          <a:xfrm>
+            <a:off x="714348" y="1"/>
+            <a:ext cx="7772400" cy="1214422"/>
+          </a:xfrm>
+        </p:spPr>
+        <p:txBody>
+          <a:bodyPr>
+            <a:normAutofit/>
+          </a:bodyPr>
+          <a:lstStyle/>
+          <a:p>
+            <a:r>
+              <a:rPr lang="pt-BR" dirty="0" smtClean="0">
+                <a:solidFill>
+                  <a:schemeClr val="bg1"/>
+                </a:solidFill>
+              </a:rPr>
+              <a:t>Porque isso é errado?</a:t>
+            </a:r>
+            <a:endParaRPr lang="pt-BR" dirty="0">
+              <a:solidFill>
+                <a:schemeClr val="bg1"/>
+              </a:solidFill>
+            </a:endParaRPr>
+          </a:p>
+        </p:txBody>
+      </p:sp>
+      <p:sp>
+        <p:nvSpPr>
+          <p:cNvPr id="7" name="CaixaDeTexto 6"/>
+          <p:cNvSpPr txBox="1"/>
+          <p:nvPr/>
+        </p:nvSpPr>
+        <p:spPr>
+          <a:xfrm>
+            <a:off x="214282" y="1428736"/>
+            <a:ext cx="8501122" cy="2062103"/>
+          </a:xfrm>
+          <a:prstGeom prst="rect">
+            <a:avLst/>
+          </a:prstGeom>
+          <a:noFill/>
+        </p:spPr>
+        <p:txBody>
+          <a:bodyPr wrap="square" rtlCol="0">
+            <a:spAutoFit/>
+          </a:bodyPr>
+          <a:lstStyle/>
+          <a:p>
+            <a:pPr>
+              <a:buFont typeface="Wingdings" pitchFamily="2" charset="2"/>
+              <a:buChar char="ü"/>
+            </a:pPr>
+            <a:r>
+              <a:rPr lang="pt-BR" sz="3200" dirty="0" smtClean="0"/>
+              <a:t>   </a:t>
+            </a:r>
+            <a:r>
+              <a:rPr lang="pt-BR" sz="3200" dirty="0" smtClean="0"/>
+              <a:t>Danifica o sistema operacional</a:t>
+            </a:r>
+          </a:p>
+          <a:p>
+            <a:pPr>
+              <a:buFont typeface="Wingdings" pitchFamily="2" charset="2"/>
+              <a:buChar char="ü"/>
+            </a:pPr>
+            <a:r>
+              <a:rPr lang="pt-BR" sz="3200" dirty="0" smtClean="0"/>
+              <a:t> </a:t>
+            </a:r>
+            <a:r>
+              <a:rPr lang="pt-BR" sz="3200" dirty="0" smtClean="0"/>
+              <a:t>  ROUBA informações do usuário</a:t>
+            </a:r>
+          </a:p>
+          <a:p>
+            <a:pPr>
+              <a:buFont typeface="Wingdings" pitchFamily="2" charset="2"/>
+              <a:buChar char="ü"/>
+            </a:pPr>
+            <a:r>
+              <a:rPr lang="pt-BR" sz="3200" dirty="0" smtClean="0"/>
+              <a:t> </a:t>
+            </a:r>
+            <a:r>
+              <a:rPr lang="pt-BR" sz="3200" dirty="0" smtClean="0"/>
+              <a:t>  Altera arquivos sem a permissão do usuário</a:t>
+            </a:r>
+          </a:p>
+          <a:p>
+            <a:endParaRPr lang="pt-BR" sz="3200" dirty="0"/>
+          </a:p>
+        </p:txBody>
+      </p:sp>
+      <p:pic>
+        <p:nvPicPr>
+          <p:cNvPr id="10" name="Imagem 9" descr="asfasf.png"/>
+          <p:cNvPicPr>
+            <a:picLocks noChangeAspect="1"/>
+          </p:cNvPicPr>
+          <p:nvPr/>
+        </p:nvPicPr>
+        <p:blipFill>
+          <a:blip r:embed="rId4"/>
+          <a:stretch>
+            <a:fillRect/>
+          </a:stretch>
+        </p:blipFill>
+        <p:spPr>
+          <a:xfrm>
+            <a:off x="2857488" y="3286124"/>
+            <a:ext cx="3252807" cy="3252807"/>
           </a:xfrm>
           <a:prstGeom prst="rect">
             <a:avLst/>

--- a/Virus de computador/Vírus de computador.pptx
+++ b/Virus de computador/Vírus de computador.pptx
@@ -5,17 +5,16 @@
     <p:sldMasterId id="2147483696" r:id="rId1"/>
   </p:sldMasterIdLst>
   <p:notesMasterIdLst>
-    <p:notesMasterId r:id="rId10"/>
+    <p:notesMasterId r:id="rId9"/>
   </p:notesMasterIdLst>
   <p:sldIdLst>
     <p:sldId id="257" r:id="rId2"/>
-    <p:sldId id="262" r:id="rId3"/>
-    <p:sldId id="263" r:id="rId4"/>
-    <p:sldId id="264" r:id="rId5"/>
-    <p:sldId id="265" r:id="rId6"/>
-    <p:sldId id="266" r:id="rId7"/>
-    <p:sldId id="267" r:id="rId8"/>
-    <p:sldId id="268" r:id="rId9"/>
+    <p:sldId id="263" r:id="rId3"/>
+    <p:sldId id="264" r:id="rId4"/>
+    <p:sldId id="265" r:id="rId5"/>
+    <p:sldId id="266" r:id="rId6"/>
+    <p:sldId id="267" r:id="rId7"/>
+    <p:sldId id="268" r:id="rId8"/>
   </p:sldIdLst>
   <p:sldSz cx="9144000" cy="6858000" type="screen4x3"/>
   <p:notesSz cx="6858000" cy="9144000"/>
@@ -206,7 +205,7 @@
             <a:fld id="{C6F142FC-0C5D-4B5A-AC4A-04E4AAC7500F}" type="datetimeFigureOut">
               <a:rPr lang="pt-BR" smtClean="0"/>
               <a:pPr/>
-              <a:t>21/06/2014</a:t>
+              <a:t>22/06/2014</a:t>
             </a:fld>
             <a:endParaRPr lang="pt-BR"/>
           </a:p>
@@ -544,7 +543,7 @@
             <a:fld id="{16752A5E-CE99-429D-8C36-FE61CC1335D6}" type="slidenum">
               <a:rPr lang="pt-BR" smtClean="0"/>
               <a:pPr/>
-              <a:t>3</a:t>
+              <a:t>2</a:t>
             </a:fld>
             <a:endParaRPr lang="pt-BR"/>
           </a:p>
@@ -630,7 +629,7 @@
             <a:fld id="{16752A5E-CE99-429D-8C36-FE61CC1335D6}" type="slidenum">
               <a:rPr lang="pt-BR" smtClean="0"/>
               <a:pPr/>
-              <a:t>4</a:t>
+              <a:t>3</a:t>
             </a:fld>
             <a:endParaRPr lang="pt-BR"/>
           </a:p>
@@ -712,7 +711,7 @@
             <a:fld id="{16752A5E-CE99-429D-8C36-FE61CC1335D6}" type="slidenum">
               <a:rPr lang="pt-BR" smtClean="0"/>
               <a:pPr/>
-              <a:t>5</a:t>
+              <a:t>4</a:t>
             </a:fld>
             <a:endParaRPr lang="pt-BR"/>
           </a:p>
@@ -794,7 +793,7 @@
             <a:fld id="{16752A5E-CE99-429D-8C36-FE61CC1335D6}" type="slidenum">
               <a:rPr lang="pt-BR" smtClean="0"/>
               <a:pPr/>
-              <a:t>6</a:t>
+              <a:t>5</a:t>
             </a:fld>
             <a:endParaRPr lang="pt-BR"/>
           </a:p>
@@ -876,7 +875,7 @@
             <a:fld id="{16752A5E-CE99-429D-8C36-FE61CC1335D6}" type="slidenum">
               <a:rPr lang="pt-BR" smtClean="0"/>
               <a:pPr/>
-              <a:t>7</a:t>
+              <a:t>6</a:t>
             </a:fld>
             <a:endParaRPr lang="pt-BR"/>
           </a:p>
@@ -958,7 +957,7 @@
             <a:fld id="{16752A5E-CE99-429D-8C36-FE61CC1335D6}" type="slidenum">
               <a:rPr lang="pt-BR" smtClean="0"/>
               <a:pPr/>
-              <a:t>8</a:t>
+              <a:t>7</a:t>
             </a:fld>
             <a:endParaRPr lang="pt-BR"/>
           </a:p>
@@ -1154,7 +1153,7 @@
             <a:fld id="{343F945E-BB56-47C3-99C4-B78B83CEDDA7}" type="datetimeFigureOut">
               <a:rPr lang="pt-BR" smtClean="0"/>
               <a:pPr/>
-              <a:t>21/06/2014</a:t>
+              <a:t>22/06/2014</a:t>
             </a:fld>
             <a:endParaRPr lang="pt-BR"/>
           </a:p>
@@ -1321,7 +1320,7 @@
             <a:fld id="{343F945E-BB56-47C3-99C4-B78B83CEDDA7}" type="datetimeFigureOut">
               <a:rPr lang="pt-BR" smtClean="0"/>
               <a:pPr/>
-              <a:t>21/06/2014</a:t>
+              <a:t>22/06/2014</a:t>
             </a:fld>
             <a:endParaRPr lang="pt-BR"/>
           </a:p>
@@ -1498,7 +1497,7 @@
             <a:fld id="{343F945E-BB56-47C3-99C4-B78B83CEDDA7}" type="datetimeFigureOut">
               <a:rPr lang="pt-BR" smtClean="0"/>
               <a:pPr/>
-              <a:t>21/06/2014</a:t>
+              <a:t>22/06/2014</a:t>
             </a:fld>
             <a:endParaRPr lang="pt-BR"/>
           </a:p>
@@ -1665,7 +1664,7 @@
             <a:fld id="{343F945E-BB56-47C3-99C4-B78B83CEDDA7}" type="datetimeFigureOut">
               <a:rPr lang="pt-BR" smtClean="0"/>
               <a:pPr/>
-              <a:t>21/06/2014</a:t>
+              <a:t>22/06/2014</a:t>
             </a:fld>
             <a:endParaRPr lang="pt-BR"/>
           </a:p>
@@ -1908,7 +1907,7 @@
             <a:fld id="{343F945E-BB56-47C3-99C4-B78B83CEDDA7}" type="datetimeFigureOut">
               <a:rPr lang="pt-BR" smtClean="0"/>
               <a:pPr/>
-              <a:t>21/06/2014</a:t>
+              <a:t>22/06/2014</a:t>
             </a:fld>
             <a:endParaRPr lang="pt-BR"/>
           </a:p>
@@ -2193,7 +2192,7 @@
             <a:fld id="{343F945E-BB56-47C3-99C4-B78B83CEDDA7}" type="datetimeFigureOut">
               <a:rPr lang="pt-BR" smtClean="0"/>
               <a:pPr/>
-              <a:t>21/06/2014</a:t>
+              <a:t>22/06/2014</a:t>
             </a:fld>
             <a:endParaRPr lang="pt-BR"/>
           </a:p>
@@ -2612,7 +2611,7 @@
             <a:fld id="{343F945E-BB56-47C3-99C4-B78B83CEDDA7}" type="datetimeFigureOut">
               <a:rPr lang="pt-BR" smtClean="0"/>
               <a:pPr/>
-              <a:t>21/06/2014</a:t>
+              <a:t>22/06/2014</a:t>
             </a:fld>
             <a:endParaRPr lang="pt-BR"/>
           </a:p>
@@ -2727,7 +2726,7 @@
             <a:fld id="{343F945E-BB56-47C3-99C4-B78B83CEDDA7}" type="datetimeFigureOut">
               <a:rPr lang="pt-BR" smtClean="0"/>
               <a:pPr/>
-              <a:t>21/06/2014</a:t>
+              <a:t>22/06/2014</a:t>
             </a:fld>
             <a:endParaRPr lang="pt-BR"/>
           </a:p>
@@ -2819,7 +2818,7 @@
             <a:fld id="{343F945E-BB56-47C3-99C4-B78B83CEDDA7}" type="datetimeFigureOut">
               <a:rPr lang="pt-BR" smtClean="0"/>
               <a:pPr/>
-              <a:t>21/06/2014</a:t>
+              <a:t>22/06/2014</a:t>
             </a:fld>
             <a:endParaRPr lang="pt-BR"/>
           </a:p>
@@ -3093,7 +3092,7 @@
             <a:fld id="{343F945E-BB56-47C3-99C4-B78B83CEDDA7}" type="datetimeFigureOut">
               <a:rPr lang="pt-BR" smtClean="0"/>
               <a:pPr/>
-              <a:t>21/06/2014</a:t>
+              <a:t>22/06/2014</a:t>
             </a:fld>
             <a:endParaRPr lang="pt-BR"/>
           </a:p>
@@ -3343,7 +3342,7 @@
             <a:fld id="{343F945E-BB56-47C3-99C4-B78B83CEDDA7}" type="datetimeFigureOut">
               <a:rPr lang="pt-BR" smtClean="0"/>
               <a:pPr/>
-              <a:t>21/06/2014</a:t>
+              <a:t>22/06/2014</a:t>
             </a:fld>
             <a:endParaRPr lang="pt-BR"/>
           </a:p>
@@ -3556,7 +3555,7 @@
             <a:fld id="{343F945E-BB56-47C3-99C4-B78B83CEDDA7}" type="datetimeFigureOut">
               <a:rPr lang="pt-BR" smtClean="0"/>
               <a:pPr/>
-              <a:t>21/06/2014</a:t>
+              <a:t>22/06/2014</a:t>
             </a:fld>
             <a:endParaRPr lang="pt-BR"/>
           </a:p>
@@ -4052,7 +4051,7 @@
           <p:nvPr/>
         </p:nvPicPr>
         <p:blipFill>
-          <a:blip r:embed="rId2"/>
+          <a:blip r:embed="rId3"/>
           <a:stretch>
             <a:fillRect/>
           </a:stretch>
@@ -4084,7 +4083,9 @@
           </a:xfrm>
         </p:spPr>
         <p:txBody>
-          <a:bodyPr/>
+          <a:bodyPr>
+            <a:normAutofit fontScale="90000"/>
+          </a:bodyPr>
           <a:lstStyle/>
           <a:p>
             <a:r>
@@ -4093,7 +4094,7 @@
                   <a:schemeClr val="bg1"/>
                 </a:solidFill>
               </a:rPr>
-              <a:t>Vírus de computador</a:t>
+              <a:t>O que é um Vírus de computador?</a:t>
             </a:r>
             <a:endParaRPr lang="pt-BR" dirty="0">
               <a:solidFill>
@@ -4103,16 +4104,40 @@
           </a:p>
         </p:txBody>
       </p:sp>
-      <p:sp>
-        <p:nvSpPr>
-          <p:cNvPr id="5" name="CaixaDeTexto 4"/>
+      <p:pic>
+        <p:nvPicPr>
+          <p:cNvPr id="6" name="Imagem 5" descr="virus.png"/>
+          <p:cNvPicPr>
+            <a:picLocks noChangeAspect="1"/>
+          </p:cNvPicPr>
+          <p:nvPr/>
+        </p:nvPicPr>
+        <p:blipFill>
+          <a:blip r:embed="rId4"/>
+          <a:stretch>
+            <a:fillRect/>
+          </a:stretch>
+        </p:blipFill>
+        <p:spPr>
+          <a:xfrm>
+            <a:off x="-214346" y="3071810"/>
+            <a:ext cx="5156583" cy="3434732"/>
+          </a:xfrm>
+          <a:prstGeom prst="rect">
+            <a:avLst/>
+          </a:prstGeom>
+        </p:spPr>
+      </p:pic>
+      <p:sp>
+        <p:nvSpPr>
+          <p:cNvPr id="7" name="CaixaDeTexto 6"/>
           <p:cNvSpPr txBox="1"/>
           <p:nvPr/>
         </p:nvSpPr>
         <p:spPr>
           <a:xfrm>
-            <a:off x="357158" y="1428736"/>
-            <a:ext cx="8358246" cy="4616648"/>
+            <a:off x="214282" y="1428736"/>
+            <a:ext cx="8501122" cy="1569660"/>
           </a:xfrm>
           <a:prstGeom prst="rect">
             <a:avLst/>
@@ -4125,86 +4150,34 @@
           </a:bodyPr>
           <a:lstStyle/>
           <a:p>
-            <a:pPr marL="742950" indent="-742950">
-              <a:lnSpc>
-                <a:spcPct val="150000"/>
-              </a:lnSpc>
+            <a:pPr>
               <a:buFont typeface="Wingdings" pitchFamily="2" charset="2"/>
               <a:buChar char="ü"/>
             </a:pPr>
             <a:r>
               <a:rPr lang="pt-BR" sz="3200" dirty="0" smtClean="0"/>
-              <a:t>  O que é um Vírus de computador?</a:t>
-            </a:r>
-          </a:p>
-          <a:p>
-            <a:pPr marL="742950" indent="-742950">
-              <a:lnSpc>
-                <a:spcPct val="150000"/>
-              </a:lnSpc>
-              <a:buFont typeface="Wingdings" pitchFamily="2" charset="2"/>
-              <a:buChar char="ü"/>
-            </a:pPr>
+              <a:t>    São </a:t>
+            </a:r>
+            <a:r>
+              <a:rPr lang="pt-BR" sz="3200" dirty="0"/>
+              <a:t>programas </a:t>
+            </a:r>
             <a:r>
               <a:rPr lang="pt-BR" sz="3200" dirty="0" smtClean="0"/>
-              <a:t>  Como surgiu?</a:t>
-            </a:r>
-          </a:p>
-          <a:p>
-            <a:pPr marL="742950" indent="-742950">
-              <a:lnSpc>
-                <a:spcPct val="150000"/>
-              </a:lnSpc>
-              <a:buFont typeface="Wingdings" pitchFamily="2" charset="2"/>
-              <a:buChar char="ü"/>
-            </a:pPr>
+              <a:t>desenvolvidos para alterar de forma </a:t>
+            </a:r>
             <a:r>
               <a:rPr lang="pt-BR" sz="3200" dirty="0"/>
-              <a:t> </a:t>
+              <a:t>nociva </a:t>
             </a:r>
             <a:r>
               <a:rPr lang="pt-BR" sz="3200" dirty="0" smtClean="0"/>
-              <a:t> O que faz um Vírus de computador?</a:t>
-            </a:r>
-          </a:p>
-          <a:p>
-            <a:pPr marL="742950" indent="-742950">
-              <a:lnSpc>
-                <a:spcPct val="150000"/>
-              </a:lnSpc>
-              <a:buFont typeface="Wingdings" pitchFamily="2" charset="2"/>
-              <a:buChar char="ü"/>
-            </a:pPr>
-            <a:r>
-              <a:rPr lang="pt-BR" sz="3200" dirty="0" smtClean="0"/>
-              <a:t>  Como eles se espalham?</a:t>
-            </a:r>
-          </a:p>
-          <a:p>
-            <a:pPr marL="742950" indent="-742950">
-              <a:lnSpc>
-                <a:spcPct val="150000"/>
-              </a:lnSpc>
-              <a:buFont typeface="Wingdings" pitchFamily="2" charset="2"/>
-              <a:buChar char="ü"/>
-            </a:pPr>
+              <a:t>os softwares </a:t>
+            </a:r>
             <a:r>
               <a:rPr lang="pt-BR" sz="3200" dirty="0"/>
-              <a:t> </a:t>
-            </a:r>
-            <a:r>
-              <a:rPr lang="pt-BR" sz="3200" dirty="0" smtClean="0"/>
-              <a:t> Porque isso é errado?</a:t>
-            </a:r>
-          </a:p>
-          <a:p>
-            <a:r>
-              <a:rPr lang="pt-BR" sz="3600" dirty="0" smtClean="0"/>
-              <a:t> </a:t>
-            </a:r>
-          </a:p>
-          <a:p>
-            <a:endParaRPr lang="pt-BR" dirty="0"/>
+              <a:t>instalados em um computador</a:t>
+            </a:r>
           </a:p>
         </p:txBody>
       </p:sp>
@@ -4282,161 +4255,6 @@
         </p:spPr>
         <p:txBody>
           <a:bodyPr>
-            <a:normAutofit fontScale="90000"/>
-          </a:bodyPr>
-          <a:lstStyle/>
-          <a:p>
-            <a:r>
-              <a:rPr lang="pt-BR" dirty="0" smtClean="0">
-                <a:solidFill>
-                  <a:schemeClr val="bg1"/>
-                </a:solidFill>
-              </a:rPr>
-              <a:t>O que é um Vírus de computador?</a:t>
-            </a:r>
-            <a:endParaRPr lang="pt-BR" dirty="0">
-              <a:solidFill>
-                <a:schemeClr val="bg1"/>
-              </a:solidFill>
-            </a:endParaRPr>
-          </a:p>
-        </p:txBody>
-      </p:sp>
-      <p:pic>
-        <p:nvPicPr>
-          <p:cNvPr id="6" name="Imagem 5" descr="virus.png"/>
-          <p:cNvPicPr>
-            <a:picLocks noChangeAspect="1"/>
-          </p:cNvPicPr>
-          <p:nvPr/>
-        </p:nvPicPr>
-        <p:blipFill>
-          <a:blip r:embed="rId4"/>
-          <a:stretch>
-            <a:fillRect/>
-          </a:stretch>
-        </p:blipFill>
-        <p:spPr>
-          <a:xfrm>
-            <a:off x="-214346" y="3071810"/>
-            <a:ext cx="5156583" cy="3434732"/>
-          </a:xfrm>
-          <a:prstGeom prst="rect">
-            <a:avLst/>
-          </a:prstGeom>
-        </p:spPr>
-      </p:pic>
-      <p:sp>
-        <p:nvSpPr>
-          <p:cNvPr id="7" name="CaixaDeTexto 6"/>
-          <p:cNvSpPr txBox="1"/>
-          <p:nvPr/>
-        </p:nvSpPr>
-        <p:spPr>
-          <a:xfrm>
-            <a:off x="214282" y="1428736"/>
-            <a:ext cx="8501122" cy="1569660"/>
-          </a:xfrm>
-          <a:prstGeom prst="rect">
-            <a:avLst/>
-          </a:prstGeom>
-          <a:noFill/>
-        </p:spPr>
-        <p:txBody>
-          <a:bodyPr wrap="square" rtlCol="0">
-            <a:spAutoFit/>
-          </a:bodyPr>
-          <a:lstStyle/>
-          <a:p>
-            <a:pPr>
-              <a:buFont typeface="Wingdings" pitchFamily="2" charset="2"/>
-              <a:buChar char="ü"/>
-            </a:pPr>
-            <a:r>
-              <a:rPr lang="pt-BR" sz="3200" dirty="0" smtClean="0"/>
-              <a:t>    São </a:t>
-            </a:r>
-            <a:r>
-              <a:rPr lang="pt-BR" sz="3200" dirty="0"/>
-              <a:t>programas desenvolvidos para alterar nociva e clandestinamente softwares instalados em um computador</a:t>
-            </a:r>
-          </a:p>
-        </p:txBody>
-      </p:sp>
-    </p:spTree>
-  </p:cSld>
-  <p:clrMapOvr>
-    <a:masterClrMapping/>
-  </p:clrMapOvr>
-  <p:timing>
-    <p:tnLst>
-      <p:par>
-        <p:cTn id="1" dur="indefinite" restart="never" nodeType="tmRoot"/>
-      </p:par>
-    </p:tnLst>
-  </p:timing>
-</p:sld>
-</file>
-
-<file path=ppt/slides/slide4.xml><?xml version="1.0" encoding="utf-8"?>
-<p:sld xmlns:a="http://schemas.openxmlformats.org/drawingml/2006/main" xmlns:r="http://schemas.openxmlformats.org/officeDocument/2006/relationships" xmlns:p="http://schemas.openxmlformats.org/presentationml/2006/main" showMasterSp="0">
-  <p:cSld>
-    <p:spTree>
-      <p:nvGrpSpPr>
-        <p:cNvPr id="1" name=""/>
-        <p:cNvGrpSpPr/>
-        <p:nvPr/>
-      </p:nvGrpSpPr>
-      <p:grpSpPr>
-        <a:xfrm>
-          <a:off x="0" y="0"/>
-          <a:ext cx="0" cy="0"/>
-          <a:chOff x="0" y="0"/>
-          <a:chExt cx="0" cy="0"/>
-        </a:xfrm>
-      </p:grpSpPr>
-      <p:pic>
-        <p:nvPicPr>
-          <p:cNvPr id="8" name="Imagem 7" descr="cabecalho.jpg"/>
-          <p:cNvPicPr>
-            <a:picLocks noChangeAspect="1"/>
-          </p:cNvPicPr>
-          <p:nvPr/>
-        </p:nvPicPr>
-        <p:blipFill>
-          <a:blip r:embed="rId3"/>
-          <a:stretch>
-            <a:fillRect/>
-          </a:stretch>
-        </p:blipFill>
-        <p:spPr>
-          <a:xfrm>
-            <a:off x="-214346" y="0"/>
-            <a:ext cx="9358346" cy="1168400"/>
-          </a:xfrm>
-          <a:prstGeom prst="rect">
-            <a:avLst/>
-          </a:prstGeom>
-        </p:spPr>
-      </p:pic>
-      <p:sp>
-        <p:nvSpPr>
-          <p:cNvPr id="4" name="Título 3"/>
-          <p:cNvSpPr>
-            <a:spLocks noGrp="1"/>
-          </p:cNvSpPr>
-          <p:nvPr>
-            <p:ph type="ctrTitle"/>
-          </p:nvPr>
-        </p:nvSpPr>
-        <p:spPr>
-          <a:xfrm>
-            <a:off x="714348" y="1"/>
-            <a:ext cx="7772400" cy="1214422"/>
-          </a:xfrm>
-        </p:spPr>
-        <p:txBody>
-          <a:bodyPr>
             <a:normAutofit/>
           </a:bodyPr>
           <a:lstStyle/>
@@ -4485,7 +4303,15 @@
             </a:pPr>
             <a:r>
               <a:rPr lang="pt-BR" sz="3200" dirty="0" smtClean="0"/>
-              <a:t>   O 1º Vírus de computador fo criado em 1986</a:t>
+              <a:t>   O 1º Vírus de </a:t>
+            </a:r>
+            <a:r>
+              <a:rPr lang="pt-BR" sz="3200" smtClean="0"/>
+              <a:t>computador foi </a:t>
+            </a:r>
+            <a:r>
+              <a:rPr lang="pt-BR" sz="3200" dirty="0" smtClean="0"/>
+              <a:t>criado em 1986</a:t>
             </a:r>
           </a:p>
           <a:p>
@@ -4568,7 +4394,7 @@
 </p:sld>
 </file>
 
-<file path=ppt/slides/slide5.xml><?xml version="1.0" encoding="utf-8"?>
+<file path=ppt/slides/slide4.xml><?xml version="1.0" encoding="utf-8"?>
 <p:sld xmlns:a="http://schemas.openxmlformats.org/drawingml/2006/main" xmlns:r="http://schemas.openxmlformats.org/officeDocument/2006/relationships" xmlns:p="http://schemas.openxmlformats.org/presentationml/2006/main" showMasterSp="0">
   <p:cSld>
     <p:spTree>
@@ -4709,6 +4535,430 @@
   <p:timing>
     <p:tnLst>
       <p:par>
+        <p:cTn id="1" dur="indefinite" restart="never" nodeType="tmRoot">
+          <p:childTnLst>
+            <p:seq concurrent="1" nextAc="seek">
+              <p:cTn id="2" dur="indefinite" nodeType="mainSeq">
+                <p:childTnLst>
+                  <p:par>
+                    <p:cTn id="3" fill="hold">
+                      <p:stCondLst>
+                        <p:cond delay="indefinite"/>
+                      </p:stCondLst>
+                      <p:childTnLst>
+                        <p:par>
+                          <p:cTn id="4" fill="hold">
+                            <p:stCondLst>
+                              <p:cond delay="0"/>
+                            </p:stCondLst>
+                            <p:childTnLst>
+                              <p:par>
+                                <p:cTn id="5" presetID="37" presetClass="entr" presetSubtype="0" fill="hold" grpId="0" nodeType="clickEffect">
+                                  <p:stCondLst>
+                                    <p:cond delay="0"/>
+                                  </p:stCondLst>
+                                  <p:childTnLst>
+                                    <p:set>
+                                      <p:cBhvr>
+                                        <p:cTn id="6" dur="1" fill="hold">
+                                          <p:stCondLst>
+                                            <p:cond delay="0"/>
+                                          </p:stCondLst>
+                                        </p:cTn>
+                                        <p:tgtEl>
+                                          <p:spTgt spid="6"/>
+                                        </p:tgtEl>
+                                        <p:attrNameLst>
+                                          <p:attrName>style.visibility</p:attrName>
+                                        </p:attrNameLst>
+                                      </p:cBhvr>
+                                      <p:to>
+                                        <p:strVal val="visible"/>
+                                      </p:to>
+                                    </p:set>
+                                    <p:animEffect transition="in" filter="fade">
+                                      <p:cBhvr>
+                                        <p:cTn id="7" dur="1000"/>
+                                        <p:tgtEl>
+                                          <p:spTgt spid="6"/>
+                                        </p:tgtEl>
+                                      </p:cBhvr>
+                                    </p:animEffect>
+                                    <p:anim calcmode="lin" valueType="num">
+                                      <p:cBhvr>
+                                        <p:cTn id="8" dur="1000" fill="hold"/>
+                                        <p:tgtEl>
+                                          <p:spTgt spid="6"/>
+                                        </p:tgtEl>
+                                        <p:attrNameLst>
+                                          <p:attrName>ppt_x</p:attrName>
+                                        </p:attrNameLst>
+                                      </p:cBhvr>
+                                      <p:tavLst>
+                                        <p:tav tm="0">
+                                          <p:val>
+                                            <p:strVal val="#ppt_x"/>
+                                          </p:val>
+                                        </p:tav>
+                                        <p:tav tm="100000">
+                                          <p:val>
+                                            <p:strVal val="#ppt_x"/>
+                                          </p:val>
+                                        </p:tav>
+                                      </p:tavLst>
+                                    </p:anim>
+                                    <p:anim calcmode="lin" valueType="num">
+                                      <p:cBhvr>
+                                        <p:cTn id="9" dur="900" decel="100000" fill="hold"/>
+                                        <p:tgtEl>
+                                          <p:spTgt spid="6"/>
+                                        </p:tgtEl>
+                                        <p:attrNameLst>
+                                          <p:attrName>ppt_y</p:attrName>
+                                        </p:attrNameLst>
+                                      </p:cBhvr>
+                                      <p:tavLst>
+                                        <p:tav tm="0">
+                                          <p:val>
+                                            <p:strVal val="#ppt_y+1"/>
+                                          </p:val>
+                                        </p:tav>
+                                        <p:tav tm="100000">
+                                          <p:val>
+                                            <p:strVal val="#ppt_y-.03"/>
+                                          </p:val>
+                                        </p:tav>
+                                      </p:tavLst>
+                                    </p:anim>
+                                    <p:anim calcmode="lin" valueType="num">
+                                      <p:cBhvr>
+                                        <p:cTn id="10" dur="100" accel="100000" fill="hold">
+                                          <p:stCondLst>
+                                            <p:cond delay="900"/>
+                                          </p:stCondLst>
+                                        </p:cTn>
+                                        <p:tgtEl>
+                                          <p:spTgt spid="6"/>
+                                        </p:tgtEl>
+                                        <p:attrNameLst>
+                                          <p:attrName>ppt_y</p:attrName>
+                                        </p:attrNameLst>
+                                      </p:cBhvr>
+                                      <p:tavLst>
+                                        <p:tav tm="0">
+                                          <p:val>
+                                            <p:strVal val="#ppt_y-.03"/>
+                                          </p:val>
+                                        </p:tav>
+                                        <p:tav tm="100000">
+                                          <p:val>
+                                            <p:strVal val="#ppt_y"/>
+                                          </p:val>
+                                        </p:tav>
+                                      </p:tavLst>
+                                    </p:anim>
+                                  </p:childTnLst>
+                                </p:cTn>
+                              </p:par>
+                              <p:par>
+                                <p:cTn id="11" presetID="37" presetClass="entr" presetSubtype="0" fill="hold" nodeType="withEffect">
+                                  <p:stCondLst>
+                                    <p:cond delay="0"/>
+                                  </p:stCondLst>
+                                  <p:childTnLst>
+                                    <p:set>
+                                      <p:cBhvr>
+                                        <p:cTn id="12" dur="1" fill="hold">
+                                          <p:stCondLst>
+                                            <p:cond delay="0"/>
+                                          </p:stCondLst>
+                                        </p:cTn>
+                                        <p:tgtEl>
+                                          <p:spTgt spid="5"/>
+                                        </p:tgtEl>
+                                        <p:attrNameLst>
+                                          <p:attrName>style.visibility</p:attrName>
+                                        </p:attrNameLst>
+                                      </p:cBhvr>
+                                      <p:to>
+                                        <p:strVal val="visible"/>
+                                      </p:to>
+                                    </p:set>
+                                    <p:animEffect transition="in" filter="fade">
+                                      <p:cBhvr>
+                                        <p:cTn id="13" dur="1000"/>
+                                        <p:tgtEl>
+                                          <p:spTgt spid="5"/>
+                                        </p:tgtEl>
+                                      </p:cBhvr>
+                                    </p:animEffect>
+                                    <p:anim calcmode="lin" valueType="num">
+                                      <p:cBhvr>
+                                        <p:cTn id="14" dur="1000" fill="hold"/>
+                                        <p:tgtEl>
+                                          <p:spTgt spid="5"/>
+                                        </p:tgtEl>
+                                        <p:attrNameLst>
+                                          <p:attrName>ppt_x</p:attrName>
+                                        </p:attrNameLst>
+                                      </p:cBhvr>
+                                      <p:tavLst>
+                                        <p:tav tm="0">
+                                          <p:val>
+                                            <p:strVal val="#ppt_x"/>
+                                          </p:val>
+                                        </p:tav>
+                                        <p:tav tm="100000">
+                                          <p:val>
+                                            <p:strVal val="#ppt_x"/>
+                                          </p:val>
+                                        </p:tav>
+                                      </p:tavLst>
+                                    </p:anim>
+                                    <p:anim calcmode="lin" valueType="num">
+                                      <p:cBhvr>
+                                        <p:cTn id="15" dur="900" decel="100000" fill="hold"/>
+                                        <p:tgtEl>
+                                          <p:spTgt spid="5"/>
+                                        </p:tgtEl>
+                                        <p:attrNameLst>
+                                          <p:attrName>ppt_y</p:attrName>
+                                        </p:attrNameLst>
+                                      </p:cBhvr>
+                                      <p:tavLst>
+                                        <p:tav tm="0">
+                                          <p:val>
+                                            <p:strVal val="#ppt_y+1"/>
+                                          </p:val>
+                                        </p:tav>
+                                        <p:tav tm="100000">
+                                          <p:val>
+                                            <p:strVal val="#ppt_y-.03"/>
+                                          </p:val>
+                                        </p:tav>
+                                      </p:tavLst>
+                                    </p:anim>
+                                    <p:anim calcmode="lin" valueType="num">
+                                      <p:cBhvr>
+                                        <p:cTn id="16" dur="100" accel="100000" fill="hold">
+                                          <p:stCondLst>
+                                            <p:cond delay="900"/>
+                                          </p:stCondLst>
+                                        </p:cTn>
+                                        <p:tgtEl>
+                                          <p:spTgt spid="5"/>
+                                        </p:tgtEl>
+                                        <p:attrNameLst>
+                                          <p:attrName>ppt_y</p:attrName>
+                                        </p:attrNameLst>
+                                      </p:cBhvr>
+                                      <p:tavLst>
+                                        <p:tav tm="0">
+                                          <p:val>
+                                            <p:strVal val="#ppt_y-.03"/>
+                                          </p:val>
+                                        </p:tav>
+                                        <p:tav tm="100000">
+                                          <p:val>
+                                            <p:strVal val="#ppt_y"/>
+                                          </p:val>
+                                        </p:tav>
+                                      </p:tavLst>
+                                    </p:anim>
+                                  </p:childTnLst>
+                                </p:cTn>
+                              </p:par>
+                            </p:childTnLst>
+                          </p:cTn>
+                        </p:par>
+                      </p:childTnLst>
+                    </p:cTn>
+                  </p:par>
+                </p:childTnLst>
+              </p:cTn>
+              <p:prevCondLst>
+                <p:cond evt="onPrev" delay="0">
+                  <p:tgtEl>
+                    <p:sldTgt/>
+                  </p:tgtEl>
+                </p:cond>
+              </p:prevCondLst>
+              <p:nextCondLst>
+                <p:cond evt="onNext" delay="0">
+                  <p:tgtEl>
+                    <p:sldTgt/>
+                  </p:tgtEl>
+                </p:cond>
+              </p:nextCondLst>
+            </p:seq>
+          </p:childTnLst>
+        </p:cTn>
+      </p:par>
+    </p:tnLst>
+    <p:bldLst>
+      <p:bldP spid="6" grpId="0"/>
+    </p:bldLst>
+  </p:timing>
+</p:sld>
+</file>
+
+<file path=ppt/slides/slide5.xml><?xml version="1.0" encoding="utf-8"?>
+<p:sld xmlns:a="http://schemas.openxmlformats.org/drawingml/2006/main" xmlns:r="http://schemas.openxmlformats.org/officeDocument/2006/relationships" xmlns:p="http://schemas.openxmlformats.org/presentationml/2006/main" showMasterSp="0">
+  <p:cSld>
+    <p:spTree>
+      <p:nvGrpSpPr>
+        <p:cNvPr id="1" name=""/>
+        <p:cNvGrpSpPr/>
+        <p:nvPr/>
+      </p:nvGrpSpPr>
+      <p:grpSpPr>
+        <a:xfrm>
+          <a:off x="0" y="0"/>
+          <a:ext cx="0" cy="0"/>
+          <a:chOff x="0" y="0"/>
+          <a:chExt cx="0" cy="0"/>
+        </a:xfrm>
+      </p:grpSpPr>
+      <p:pic>
+        <p:nvPicPr>
+          <p:cNvPr id="8" name="Imagem 7" descr="cabecalho.jpg"/>
+          <p:cNvPicPr>
+            <a:picLocks noChangeAspect="1"/>
+          </p:cNvPicPr>
+          <p:nvPr/>
+        </p:nvPicPr>
+        <p:blipFill>
+          <a:blip r:embed="rId3"/>
+          <a:stretch>
+            <a:fillRect/>
+          </a:stretch>
+        </p:blipFill>
+        <p:spPr>
+          <a:xfrm>
+            <a:off x="-214346" y="0"/>
+            <a:ext cx="9358346" cy="1168400"/>
+          </a:xfrm>
+          <a:prstGeom prst="rect">
+            <a:avLst/>
+          </a:prstGeom>
+        </p:spPr>
+      </p:pic>
+      <p:sp>
+        <p:nvSpPr>
+          <p:cNvPr id="4" name="Título 3"/>
+          <p:cNvSpPr>
+            <a:spLocks noGrp="1"/>
+          </p:cNvSpPr>
+          <p:nvPr>
+            <p:ph type="ctrTitle"/>
+          </p:nvPr>
+        </p:nvSpPr>
+        <p:spPr>
+          <a:xfrm>
+            <a:off x="714348" y="1"/>
+            <a:ext cx="7772400" cy="1214422"/>
+          </a:xfrm>
+        </p:spPr>
+        <p:txBody>
+          <a:bodyPr>
+            <a:normAutofit/>
+          </a:bodyPr>
+          <a:lstStyle/>
+          <a:p>
+            <a:r>
+              <a:rPr lang="pt-BR" dirty="0" smtClean="0">
+                <a:solidFill>
+                  <a:schemeClr val="bg1"/>
+                </a:solidFill>
+              </a:rPr>
+              <a:t>Como eles se espalham?</a:t>
+            </a:r>
+            <a:endParaRPr lang="pt-BR" dirty="0">
+              <a:solidFill>
+                <a:schemeClr val="bg1"/>
+              </a:solidFill>
+            </a:endParaRPr>
+          </a:p>
+        </p:txBody>
+      </p:sp>
+      <p:sp>
+        <p:nvSpPr>
+          <p:cNvPr id="7" name="CaixaDeTexto 6"/>
+          <p:cNvSpPr txBox="1"/>
+          <p:nvPr/>
+        </p:nvSpPr>
+        <p:spPr>
+          <a:xfrm>
+            <a:off x="214282" y="1428736"/>
+            <a:ext cx="8501122" cy="1569660"/>
+          </a:xfrm>
+          <a:prstGeom prst="rect">
+            <a:avLst/>
+          </a:prstGeom>
+          <a:noFill/>
+        </p:spPr>
+        <p:txBody>
+          <a:bodyPr wrap="square" rtlCol="0">
+            <a:spAutoFit/>
+          </a:bodyPr>
+          <a:lstStyle/>
+          <a:p>
+            <a:pPr>
+              <a:buFont typeface="Wingdings" pitchFamily="2" charset="2"/>
+              <a:buChar char="ü"/>
+            </a:pPr>
+            <a:r>
+              <a:rPr lang="pt-BR" sz="3200" dirty="0" smtClean="0"/>
+              <a:t>   Sites infectados</a:t>
+            </a:r>
+          </a:p>
+          <a:p>
+            <a:pPr>
+              <a:buFont typeface="Wingdings" pitchFamily="2" charset="2"/>
+              <a:buChar char="ü"/>
+            </a:pPr>
+            <a:r>
+              <a:rPr lang="pt-BR" sz="3200" dirty="0" smtClean="0"/>
+              <a:t>   Arquivos em geral</a:t>
+            </a:r>
+          </a:p>
+          <a:p>
+            <a:endParaRPr lang="pt-BR" sz="3200" dirty="0"/>
+          </a:p>
+        </p:txBody>
+      </p:sp>
+      <p:pic>
+        <p:nvPicPr>
+          <p:cNvPr id="6" name="Imagem 5" descr="files.png"/>
+          <p:cNvPicPr>
+            <a:picLocks noChangeAspect="1"/>
+          </p:cNvPicPr>
+          <p:nvPr/>
+        </p:nvPicPr>
+        <p:blipFill>
+          <a:blip r:embed="rId4"/>
+          <a:stretch>
+            <a:fillRect/>
+          </a:stretch>
+        </p:blipFill>
+        <p:spPr>
+          <a:xfrm>
+            <a:off x="1714480" y="3214686"/>
+            <a:ext cx="5485715" cy="2590476"/>
+          </a:xfrm>
+          <a:prstGeom prst="rect">
+            <a:avLst/>
+          </a:prstGeom>
+        </p:spPr>
+      </p:pic>
+    </p:spTree>
+  </p:cSld>
+  <p:clrMapOvr>
+    <a:masterClrMapping/>
+  </p:clrMapOvr>
+  <p:timing>
+    <p:tnLst>
+      <p:par>
         <p:cTn id="1" dur="indefinite" restart="never" nodeType="tmRoot"/>
       </p:par>
     </p:tnLst>
@@ -4804,178 +5054,6 @@
         <p:spPr>
           <a:xfrm>
             <a:off x="214282" y="1428736"/>
-            <a:ext cx="8501122" cy="1569660"/>
-          </a:xfrm>
-          <a:prstGeom prst="rect">
-            <a:avLst/>
-          </a:prstGeom>
-          <a:noFill/>
-        </p:spPr>
-        <p:txBody>
-          <a:bodyPr wrap="square" rtlCol="0">
-            <a:spAutoFit/>
-          </a:bodyPr>
-          <a:lstStyle/>
-          <a:p>
-            <a:pPr>
-              <a:buFont typeface="Wingdings" pitchFamily="2" charset="2"/>
-              <a:buChar char="ü"/>
-            </a:pPr>
-            <a:r>
-              <a:rPr lang="pt-BR" sz="3200" dirty="0" smtClean="0"/>
-              <a:t>   </a:t>
-            </a:r>
-            <a:r>
-              <a:rPr lang="pt-BR" sz="3200" dirty="0" smtClean="0"/>
-              <a:t>Sites infectados</a:t>
-            </a:r>
-          </a:p>
-          <a:p>
-            <a:pPr>
-              <a:buFont typeface="Wingdings" pitchFamily="2" charset="2"/>
-              <a:buChar char="ü"/>
-            </a:pPr>
-            <a:r>
-              <a:rPr lang="pt-BR" sz="3200" dirty="0" smtClean="0"/>
-              <a:t> </a:t>
-            </a:r>
-            <a:r>
-              <a:rPr lang="pt-BR" sz="3200" dirty="0" smtClean="0"/>
-              <a:t>  Arquivos em geral</a:t>
-            </a:r>
-          </a:p>
-          <a:p>
-            <a:endParaRPr lang="pt-BR" sz="3200" dirty="0"/>
-          </a:p>
-        </p:txBody>
-      </p:sp>
-      <p:pic>
-        <p:nvPicPr>
-          <p:cNvPr id="6" name="Imagem 5" descr="files.png"/>
-          <p:cNvPicPr>
-            <a:picLocks noChangeAspect="1"/>
-          </p:cNvPicPr>
-          <p:nvPr/>
-        </p:nvPicPr>
-        <p:blipFill>
-          <a:blip r:embed="rId4"/>
-          <a:stretch>
-            <a:fillRect/>
-          </a:stretch>
-        </p:blipFill>
-        <p:spPr>
-          <a:xfrm>
-            <a:off x="1714480" y="3214686"/>
-            <a:ext cx="5485715" cy="2590476"/>
-          </a:xfrm>
-          <a:prstGeom prst="rect">
-            <a:avLst/>
-          </a:prstGeom>
-        </p:spPr>
-      </p:pic>
-    </p:spTree>
-  </p:cSld>
-  <p:clrMapOvr>
-    <a:masterClrMapping/>
-  </p:clrMapOvr>
-  <p:timing>
-    <p:tnLst>
-      <p:par>
-        <p:cTn id="1" dur="indefinite" restart="never" nodeType="tmRoot"/>
-      </p:par>
-    </p:tnLst>
-  </p:timing>
-</p:sld>
-</file>
-
-<file path=ppt/slides/slide7.xml><?xml version="1.0" encoding="utf-8"?>
-<p:sld xmlns:a="http://schemas.openxmlformats.org/drawingml/2006/main" xmlns:r="http://schemas.openxmlformats.org/officeDocument/2006/relationships" xmlns:p="http://schemas.openxmlformats.org/presentationml/2006/main" showMasterSp="0">
-  <p:cSld>
-    <p:spTree>
-      <p:nvGrpSpPr>
-        <p:cNvPr id="1" name=""/>
-        <p:cNvGrpSpPr/>
-        <p:nvPr/>
-      </p:nvGrpSpPr>
-      <p:grpSpPr>
-        <a:xfrm>
-          <a:off x="0" y="0"/>
-          <a:ext cx="0" cy="0"/>
-          <a:chOff x="0" y="0"/>
-          <a:chExt cx="0" cy="0"/>
-        </a:xfrm>
-      </p:grpSpPr>
-      <p:pic>
-        <p:nvPicPr>
-          <p:cNvPr id="8" name="Imagem 7" descr="cabecalho.jpg"/>
-          <p:cNvPicPr>
-            <a:picLocks noChangeAspect="1"/>
-          </p:cNvPicPr>
-          <p:nvPr/>
-        </p:nvPicPr>
-        <p:blipFill>
-          <a:blip r:embed="rId3"/>
-          <a:stretch>
-            <a:fillRect/>
-          </a:stretch>
-        </p:blipFill>
-        <p:spPr>
-          <a:xfrm>
-            <a:off x="-214346" y="0"/>
-            <a:ext cx="9358346" cy="1168400"/>
-          </a:xfrm>
-          <a:prstGeom prst="rect">
-            <a:avLst/>
-          </a:prstGeom>
-        </p:spPr>
-      </p:pic>
-      <p:sp>
-        <p:nvSpPr>
-          <p:cNvPr id="4" name="Título 3"/>
-          <p:cNvSpPr>
-            <a:spLocks noGrp="1"/>
-          </p:cNvSpPr>
-          <p:nvPr>
-            <p:ph type="ctrTitle"/>
-          </p:nvPr>
-        </p:nvSpPr>
-        <p:spPr>
-          <a:xfrm>
-            <a:off x="714348" y="1"/>
-            <a:ext cx="7772400" cy="1214422"/>
-          </a:xfrm>
-        </p:spPr>
-        <p:txBody>
-          <a:bodyPr>
-            <a:normAutofit/>
-          </a:bodyPr>
-          <a:lstStyle/>
-          <a:p>
-            <a:r>
-              <a:rPr lang="pt-BR" dirty="0" smtClean="0">
-                <a:solidFill>
-                  <a:schemeClr val="bg1"/>
-                </a:solidFill>
-              </a:rPr>
-              <a:t>Como eles se espalham?</a:t>
-            </a:r>
-            <a:endParaRPr lang="pt-BR" dirty="0">
-              <a:solidFill>
-                <a:schemeClr val="bg1"/>
-              </a:solidFill>
-            </a:endParaRPr>
-          </a:p>
-        </p:txBody>
-      </p:sp>
-      <p:sp>
-        <p:nvSpPr>
-          <p:cNvPr id="7" name="CaixaDeTexto 6"/>
-          <p:cNvSpPr txBox="1"/>
-          <p:nvPr/>
-        </p:nvSpPr>
-        <p:spPr>
-          <a:xfrm>
-            <a:off x="214282" y="1428736"/>
             <a:ext cx="8501122" cy="2062103"/>
           </a:xfrm>
           <a:prstGeom prst="rect">
@@ -4995,11 +5073,7 @@
             </a:pPr>
             <a:r>
               <a:rPr lang="pt-BR" sz="3200" dirty="0" smtClean="0"/>
-              <a:t>   </a:t>
-            </a:r>
-            <a:r>
-              <a:rPr lang="pt-BR" sz="3200" dirty="0" smtClean="0"/>
-              <a:t>Pendrive</a:t>
+              <a:t>   Pendrive</a:t>
             </a:r>
           </a:p>
           <a:p>
@@ -5009,11 +5083,7 @@
             </a:pPr>
             <a:r>
               <a:rPr lang="pt-BR" sz="3200" dirty="0" smtClean="0"/>
-              <a:t> </a:t>
-            </a:r>
-            <a:r>
-              <a:rPr lang="pt-BR" sz="3200" dirty="0" smtClean="0"/>
-              <a:t>  CD/DVD</a:t>
+              <a:t>   CD/DVD</a:t>
             </a:r>
           </a:p>
           <a:p>
@@ -5023,11 +5093,7 @@
             </a:pPr>
             <a:r>
               <a:rPr lang="pt-BR" sz="3200" dirty="0" smtClean="0"/>
-              <a:t> </a:t>
-            </a:r>
-            <a:r>
-              <a:rPr lang="pt-BR" sz="3200" dirty="0" smtClean="0"/>
-              <a:t>  Qualquer dispositivo de armazenamento</a:t>
+              <a:t>   Qualquer dispositivo de armazenamento</a:t>
             </a:r>
           </a:p>
           <a:p>
@@ -5122,7 +5188,7 @@
 </p:sld>
 </file>
 
-<file path=ppt/slides/slide8.xml><?xml version="1.0" encoding="utf-8"?>
+<file path=ppt/slides/slide7.xml><?xml version="1.0" encoding="utf-8"?>
 <p:sld xmlns:a="http://schemas.openxmlformats.org/drawingml/2006/main" xmlns:r="http://schemas.openxmlformats.org/officeDocument/2006/relationships" xmlns:p="http://schemas.openxmlformats.org/presentationml/2006/main" showMasterSp="0">
   <p:cSld>
     <p:spTree>
@@ -5229,11 +5295,7 @@
             </a:pPr>
             <a:r>
               <a:rPr lang="pt-BR" sz="3200" dirty="0" smtClean="0"/>
-              <a:t>   </a:t>
-            </a:r>
-            <a:r>
-              <a:rPr lang="pt-BR" sz="3200" dirty="0" smtClean="0"/>
-              <a:t>Danifica o sistema operacional</a:t>
+              <a:t>   Danifica o sistema operacional</a:t>
             </a:r>
           </a:p>
           <a:p>
@@ -5243,11 +5305,7 @@
             </a:pPr>
             <a:r>
               <a:rPr lang="pt-BR" sz="3200" dirty="0" smtClean="0"/>
-              <a:t> </a:t>
-            </a:r>
-            <a:r>
-              <a:rPr lang="pt-BR" sz="3200" dirty="0" smtClean="0"/>
-              <a:t>  ROUBA informações do usuário</a:t>
+              <a:t>   ROUBA informações do usuário</a:t>
             </a:r>
           </a:p>
           <a:p>
@@ -5257,11 +5315,7 @@
             </a:pPr>
             <a:r>
               <a:rPr lang="pt-BR" sz="3200" dirty="0" smtClean="0"/>
-              <a:t> </a:t>
-            </a:r>
-            <a:r>
-              <a:rPr lang="pt-BR" sz="3200" dirty="0" smtClean="0"/>
-              <a:t>  Altera arquivos sem a permissão do usuário</a:t>
+              <a:t>   Altera arquivos sem a permissão do usuário</a:t>
             </a:r>
           </a:p>
           <a:p>
